--- a/reliability-of-azure-based-services/images/figures.pptx
+++ b/reliability-of-azure-based-services/images/figures.pptx
@@ -5,11 +5,13 @@
     <p:sldMasterId id="2147483648" r:id="rId1"/>
   </p:sldMasterIdLst>
   <p:notesMasterIdLst>
-    <p:notesMasterId r:id="rId4"/>
+    <p:notesMasterId r:id="rId6"/>
   </p:notesMasterIdLst>
   <p:sldIdLst>
-    <p:sldId id="256" r:id="rId2"/>
-    <p:sldId id="9777" r:id="rId3"/>
+    <p:sldId id="9777" r:id="rId2"/>
+    <p:sldId id="9778" r:id="rId3"/>
+    <p:sldId id="9779" r:id="rId4"/>
+    <p:sldId id="9780" r:id="rId5"/>
   </p:sldIdLst>
   <p:sldSz cx="12192000" cy="6858000"/>
   <p:notesSz cx="6858000" cy="9144000"/>
@@ -128,6 +130,1326 @@
 </p:cmAuthorLst>
 </file>
 
+<file path=ppt/charts/chart1.xml><?xml version="1.0" encoding="utf-8"?>
+<c:chartSpace xmlns:c="http://schemas.openxmlformats.org/drawingml/2006/chart" xmlns:a="http://schemas.openxmlformats.org/drawingml/2006/main" xmlns:r="http://schemas.openxmlformats.org/officeDocument/2006/relationships" xmlns:c16r2="http://schemas.microsoft.com/office/drawing/2015/06/chart">
+  <c:date1904 val="0"/>
+  <c:lang val="ja-JP"/>
+  <c:roundedCorners val="0"/>
+  <mc:AlternateContent xmlns:mc="http://schemas.openxmlformats.org/markup-compatibility/2006">
+    <mc:Choice xmlns:c14="http://schemas.microsoft.com/office/drawing/2007/8/2/chart" Requires="c14">
+      <c14:style val="102"/>
+    </mc:Choice>
+    <mc:Fallback>
+      <c:style val="2"/>
+    </mc:Fallback>
+  </mc:AlternateContent>
+  <c:chart>
+    <c:title>
+      <c:tx>
+        <c:rich>
+          <a:bodyPr rot="0" spcFirstLastPara="1" vertOverflow="ellipsis" vert="horz" wrap="square" anchor="ctr" anchorCtr="1"/>
+          <a:lstStyle/>
+          <a:p>
+            <a:pPr>
+              <a:defRPr sz="2128" b="1" i="0" u="none" strike="noStrike" kern="1200" cap="none" spc="0" normalizeH="0" baseline="0">
+                <a:solidFill>
+                  <a:schemeClr val="dk1">
+                    <a:lumMod val="50000"/>
+                    <a:lumOff val="50000"/>
+                  </a:schemeClr>
+                </a:solidFill>
+                <a:latin typeface="+mj-lt"/>
+                <a:ea typeface="+mj-ea"/>
+                <a:cs typeface="+mj-cs"/>
+              </a:defRPr>
+            </a:pPr>
+            <a:r>
+              <a:rPr lang="en-US" dirty="0"/>
+              <a:t>SLA </a:t>
+            </a:r>
+            <a:r>
+              <a:rPr lang="ja-JP" dirty="0"/>
+              <a:t>と </a:t>
+            </a:r>
+            <a:r>
+              <a:rPr lang="en-US" dirty="0"/>
+              <a:t>SLO</a:t>
+            </a:r>
+            <a:r>
+              <a:rPr lang="ja-JP" dirty="0"/>
+              <a:t> に対する実績値</a:t>
+            </a:r>
+            <a:r>
+              <a:rPr lang="ja-JP" altLang="en-US" dirty="0"/>
+              <a:t>（</a:t>
+            </a:r>
+            <a:r>
+              <a:rPr lang="en-US" altLang="ja-JP" dirty="0"/>
+              <a:t>SLI</a:t>
+            </a:r>
+            <a:r>
+              <a:rPr lang="ja-JP" altLang="en-US" dirty="0"/>
+              <a:t>）</a:t>
+            </a:r>
+            <a:endParaRPr lang="ja-JP" dirty="0"/>
+          </a:p>
+        </c:rich>
+      </c:tx>
+      <c:overlay val="0"/>
+      <c:spPr>
+        <a:noFill/>
+        <a:ln>
+          <a:noFill/>
+        </a:ln>
+        <a:effectLst/>
+      </c:spPr>
+      <c:txPr>
+        <a:bodyPr rot="0" spcFirstLastPara="1" vertOverflow="ellipsis" vert="horz" wrap="square" anchor="ctr" anchorCtr="1"/>
+        <a:lstStyle/>
+        <a:p>
+          <a:pPr>
+            <a:defRPr sz="2128" b="1" i="0" u="none" strike="noStrike" kern="1200" cap="none" spc="0" normalizeH="0" baseline="0">
+              <a:solidFill>
+                <a:schemeClr val="dk1">
+                  <a:lumMod val="50000"/>
+                  <a:lumOff val="50000"/>
+                </a:schemeClr>
+              </a:solidFill>
+              <a:latin typeface="+mj-lt"/>
+              <a:ea typeface="+mj-ea"/>
+              <a:cs typeface="+mj-cs"/>
+            </a:defRPr>
+          </a:pPr>
+          <a:endParaRPr lang="ja-JP"/>
+        </a:p>
+      </c:txPr>
+    </c:title>
+    <c:autoTitleDeleted val="0"/>
+    <c:plotArea>
+      <c:layout/>
+      <c:barChart>
+        <c:barDir val="col"/>
+        <c:grouping val="clustered"/>
+        <c:varyColors val="0"/>
+        <c:ser>
+          <c:idx val="2"/>
+          <c:order val="2"/>
+          <c:tx>
+            <c:strRef>
+              <c:f>Sheet1!$D$3</c:f>
+              <c:strCache>
+                <c:ptCount val="1"/>
+                <c:pt idx="0">
+                  <c:v>SLI</c:v>
+                </c:pt>
+              </c:strCache>
+            </c:strRef>
+          </c:tx>
+          <c:spPr>
+            <a:solidFill>
+              <a:schemeClr val="accent3"/>
+            </a:solidFill>
+            <a:ln>
+              <a:noFill/>
+            </a:ln>
+            <a:effectLst/>
+          </c:spPr>
+          <c:invertIfNegative val="0"/>
+          <c:cat>
+            <c:numRef>
+              <c:f>Sheet1!$A$4:$A$15</c:f>
+              <c:numCache>
+                <c:formatCode>mmm\-yy</c:formatCode>
+                <c:ptCount val="12"/>
+                <c:pt idx="0">
+                  <c:v>44197</c:v>
+                </c:pt>
+                <c:pt idx="1">
+                  <c:v>44228</c:v>
+                </c:pt>
+                <c:pt idx="2">
+                  <c:v>44256</c:v>
+                </c:pt>
+                <c:pt idx="3">
+                  <c:v>44287</c:v>
+                </c:pt>
+                <c:pt idx="4">
+                  <c:v>44317</c:v>
+                </c:pt>
+                <c:pt idx="5">
+                  <c:v>44348</c:v>
+                </c:pt>
+                <c:pt idx="6">
+                  <c:v>44378</c:v>
+                </c:pt>
+                <c:pt idx="7">
+                  <c:v>44409</c:v>
+                </c:pt>
+                <c:pt idx="8">
+                  <c:v>44440</c:v>
+                </c:pt>
+                <c:pt idx="9">
+                  <c:v>44470</c:v>
+                </c:pt>
+                <c:pt idx="10">
+                  <c:v>44501</c:v>
+                </c:pt>
+                <c:pt idx="11">
+                  <c:v>44531</c:v>
+                </c:pt>
+              </c:numCache>
+            </c:numRef>
+          </c:cat>
+          <c:val>
+            <c:numRef>
+              <c:f>Sheet1!$D$4:$D$15</c:f>
+              <c:numCache>
+                <c:formatCode>General</c:formatCode>
+                <c:ptCount val="12"/>
+                <c:pt idx="0">
+                  <c:v>99.97</c:v>
+                </c:pt>
+                <c:pt idx="1">
+                  <c:v>99.98</c:v>
+                </c:pt>
+                <c:pt idx="2">
+                  <c:v>100</c:v>
+                </c:pt>
+                <c:pt idx="3">
+                  <c:v>100</c:v>
+                </c:pt>
+                <c:pt idx="4">
+                  <c:v>99.93</c:v>
+                </c:pt>
+                <c:pt idx="5">
+                  <c:v>99.91</c:v>
+                </c:pt>
+                <c:pt idx="6">
+                  <c:v>99.99</c:v>
+                </c:pt>
+                <c:pt idx="7">
+                  <c:v>99.97</c:v>
+                </c:pt>
+                <c:pt idx="8">
+                  <c:v>100</c:v>
+                </c:pt>
+                <c:pt idx="9">
+                  <c:v>99.83</c:v>
+                </c:pt>
+                <c:pt idx="10">
+                  <c:v>99.93</c:v>
+                </c:pt>
+                <c:pt idx="11">
+                  <c:v>100</c:v>
+                </c:pt>
+              </c:numCache>
+            </c:numRef>
+          </c:val>
+          <c:extLst>
+            <c:ext xmlns:c16="http://schemas.microsoft.com/office/drawing/2014/chart" uri="{C3380CC4-5D6E-409C-BE32-E72D297353CC}">
+              <c16:uniqueId val="{00000000-9E68-4309-9B5D-503914639C82}"/>
+            </c:ext>
+          </c:extLst>
+        </c:ser>
+        <c:dLbls>
+          <c:showLegendKey val="0"/>
+          <c:showVal val="0"/>
+          <c:showCatName val="0"/>
+          <c:showSerName val="0"/>
+          <c:showPercent val="0"/>
+          <c:showBubbleSize val="0"/>
+        </c:dLbls>
+        <c:gapWidth val="247"/>
+        <c:axId val="1582666336"/>
+        <c:axId val="1582667168"/>
+      </c:barChart>
+      <c:scatterChart>
+        <c:scatterStyle val="lineMarker"/>
+        <c:varyColors val="0"/>
+        <c:ser>
+          <c:idx val="0"/>
+          <c:order val="0"/>
+          <c:tx>
+            <c:strRef>
+              <c:f>Sheet1!$B$3</c:f>
+              <c:strCache>
+                <c:ptCount val="1"/>
+                <c:pt idx="0">
+                  <c:v>SLA</c:v>
+                </c:pt>
+              </c:strCache>
+            </c:strRef>
+          </c:tx>
+          <c:spPr>
+            <a:ln w="22225" cap="rnd">
+              <a:solidFill>
+                <a:schemeClr val="accent1"/>
+              </a:solidFill>
+              <a:round/>
+            </a:ln>
+            <a:effectLst/>
+          </c:spPr>
+          <c:marker>
+            <c:symbol val="circle"/>
+            <c:size val="6"/>
+            <c:spPr>
+              <a:solidFill>
+                <a:schemeClr val="lt1"/>
+              </a:solidFill>
+              <a:ln w="15875">
+                <a:solidFill>
+                  <a:schemeClr val="accent1"/>
+                </a:solidFill>
+                <a:round/>
+              </a:ln>
+              <a:effectLst/>
+            </c:spPr>
+          </c:marker>
+          <c:xVal>
+            <c:numRef>
+              <c:f>Sheet1!$A$4:$A$15</c:f>
+              <c:numCache>
+                <c:formatCode>mmm\-yy</c:formatCode>
+                <c:ptCount val="12"/>
+                <c:pt idx="0">
+                  <c:v>44197</c:v>
+                </c:pt>
+                <c:pt idx="1">
+                  <c:v>44228</c:v>
+                </c:pt>
+                <c:pt idx="2">
+                  <c:v>44256</c:v>
+                </c:pt>
+                <c:pt idx="3">
+                  <c:v>44287</c:v>
+                </c:pt>
+                <c:pt idx="4">
+                  <c:v>44317</c:v>
+                </c:pt>
+                <c:pt idx="5">
+                  <c:v>44348</c:v>
+                </c:pt>
+                <c:pt idx="6">
+                  <c:v>44378</c:v>
+                </c:pt>
+                <c:pt idx="7">
+                  <c:v>44409</c:v>
+                </c:pt>
+                <c:pt idx="8">
+                  <c:v>44440</c:v>
+                </c:pt>
+                <c:pt idx="9">
+                  <c:v>44470</c:v>
+                </c:pt>
+                <c:pt idx="10">
+                  <c:v>44501</c:v>
+                </c:pt>
+                <c:pt idx="11">
+                  <c:v>44531</c:v>
+                </c:pt>
+              </c:numCache>
+            </c:numRef>
+          </c:xVal>
+          <c:yVal>
+            <c:numRef>
+              <c:f>Sheet1!$B$4:$B$15</c:f>
+              <c:numCache>
+                <c:formatCode>General</c:formatCode>
+                <c:ptCount val="12"/>
+                <c:pt idx="0">
+                  <c:v>99.9</c:v>
+                </c:pt>
+                <c:pt idx="1">
+                  <c:v>99.9</c:v>
+                </c:pt>
+                <c:pt idx="2">
+                  <c:v>99.9</c:v>
+                </c:pt>
+                <c:pt idx="3">
+                  <c:v>99.9</c:v>
+                </c:pt>
+                <c:pt idx="4">
+                  <c:v>99.9</c:v>
+                </c:pt>
+                <c:pt idx="5">
+                  <c:v>99.9</c:v>
+                </c:pt>
+                <c:pt idx="6">
+                  <c:v>99.9</c:v>
+                </c:pt>
+                <c:pt idx="7">
+                  <c:v>99.9</c:v>
+                </c:pt>
+                <c:pt idx="8">
+                  <c:v>99.9</c:v>
+                </c:pt>
+                <c:pt idx="9">
+                  <c:v>99.9</c:v>
+                </c:pt>
+                <c:pt idx="10">
+                  <c:v>99.9</c:v>
+                </c:pt>
+                <c:pt idx="11">
+                  <c:v>99.9</c:v>
+                </c:pt>
+              </c:numCache>
+            </c:numRef>
+          </c:yVal>
+          <c:smooth val="0"/>
+          <c:extLst>
+            <c:ext xmlns:c16="http://schemas.microsoft.com/office/drawing/2014/chart" uri="{C3380CC4-5D6E-409C-BE32-E72D297353CC}">
+              <c16:uniqueId val="{00000001-9E68-4309-9B5D-503914639C82}"/>
+            </c:ext>
+          </c:extLst>
+        </c:ser>
+        <c:ser>
+          <c:idx val="1"/>
+          <c:order val="1"/>
+          <c:tx>
+            <c:strRef>
+              <c:f>Sheet1!$C$3</c:f>
+              <c:strCache>
+                <c:ptCount val="1"/>
+                <c:pt idx="0">
+                  <c:v>SLO</c:v>
+                </c:pt>
+              </c:strCache>
+            </c:strRef>
+          </c:tx>
+          <c:spPr>
+            <a:ln w="22225" cap="rnd">
+              <a:solidFill>
+                <a:schemeClr val="accent2"/>
+              </a:solidFill>
+              <a:round/>
+            </a:ln>
+            <a:effectLst/>
+          </c:spPr>
+          <c:marker>
+            <c:symbol val="circle"/>
+            <c:size val="6"/>
+            <c:spPr>
+              <a:solidFill>
+                <a:schemeClr val="lt1"/>
+              </a:solidFill>
+              <a:ln w="15875">
+                <a:solidFill>
+                  <a:schemeClr val="accent2"/>
+                </a:solidFill>
+                <a:round/>
+              </a:ln>
+              <a:effectLst/>
+            </c:spPr>
+          </c:marker>
+          <c:xVal>
+            <c:numRef>
+              <c:f>Sheet1!$A$4:$A$15</c:f>
+              <c:numCache>
+                <c:formatCode>mmm\-yy</c:formatCode>
+                <c:ptCount val="12"/>
+                <c:pt idx="0">
+                  <c:v>44197</c:v>
+                </c:pt>
+                <c:pt idx="1">
+                  <c:v>44228</c:v>
+                </c:pt>
+                <c:pt idx="2">
+                  <c:v>44256</c:v>
+                </c:pt>
+                <c:pt idx="3">
+                  <c:v>44287</c:v>
+                </c:pt>
+                <c:pt idx="4">
+                  <c:v>44317</c:v>
+                </c:pt>
+                <c:pt idx="5">
+                  <c:v>44348</c:v>
+                </c:pt>
+                <c:pt idx="6">
+                  <c:v>44378</c:v>
+                </c:pt>
+                <c:pt idx="7">
+                  <c:v>44409</c:v>
+                </c:pt>
+                <c:pt idx="8">
+                  <c:v>44440</c:v>
+                </c:pt>
+                <c:pt idx="9">
+                  <c:v>44470</c:v>
+                </c:pt>
+                <c:pt idx="10">
+                  <c:v>44501</c:v>
+                </c:pt>
+                <c:pt idx="11">
+                  <c:v>44531</c:v>
+                </c:pt>
+              </c:numCache>
+            </c:numRef>
+          </c:xVal>
+          <c:yVal>
+            <c:numRef>
+              <c:f>Sheet1!$C$4:$C$15</c:f>
+              <c:numCache>
+                <c:formatCode>General</c:formatCode>
+                <c:ptCount val="12"/>
+                <c:pt idx="0">
+                  <c:v>99.95</c:v>
+                </c:pt>
+                <c:pt idx="1">
+                  <c:v>99.95</c:v>
+                </c:pt>
+                <c:pt idx="2">
+                  <c:v>99.95</c:v>
+                </c:pt>
+                <c:pt idx="3">
+                  <c:v>99.95</c:v>
+                </c:pt>
+                <c:pt idx="4">
+                  <c:v>99.95</c:v>
+                </c:pt>
+                <c:pt idx="5">
+                  <c:v>99.95</c:v>
+                </c:pt>
+                <c:pt idx="6">
+                  <c:v>99.95</c:v>
+                </c:pt>
+                <c:pt idx="7">
+                  <c:v>99.95</c:v>
+                </c:pt>
+                <c:pt idx="8">
+                  <c:v>99.95</c:v>
+                </c:pt>
+                <c:pt idx="9">
+                  <c:v>99.95</c:v>
+                </c:pt>
+                <c:pt idx="10">
+                  <c:v>99.95</c:v>
+                </c:pt>
+                <c:pt idx="11">
+                  <c:v>99.95</c:v>
+                </c:pt>
+              </c:numCache>
+            </c:numRef>
+          </c:yVal>
+          <c:smooth val="0"/>
+          <c:extLst>
+            <c:ext xmlns:c16="http://schemas.microsoft.com/office/drawing/2014/chart" uri="{C3380CC4-5D6E-409C-BE32-E72D297353CC}">
+              <c16:uniqueId val="{00000002-9E68-4309-9B5D-503914639C82}"/>
+            </c:ext>
+          </c:extLst>
+        </c:ser>
+        <c:dLbls>
+          <c:showLegendKey val="0"/>
+          <c:showVal val="0"/>
+          <c:showCatName val="0"/>
+          <c:showSerName val="0"/>
+          <c:showPercent val="0"/>
+          <c:showBubbleSize val="0"/>
+        </c:dLbls>
+        <c:axId val="1582666336"/>
+        <c:axId val="1582667168"/>
+      </c:scatterChart>
+      <c:dateAx>
+        <c:axId val="1582666336"/>
+        <c:scaling>
+          <c:orientation val="minMax"/>
+        </c:scaling>
+        <c:delete val="0"/>
+        <c:axPos val="b"/>
+        <c:majorGridlines>
+          <c:spPr>
+            <a:ln w="9525" cap="flat" cmpd="sng" algn="ctr">
+              <a:solidFill>
+                <a:schemeClr val="dk1">
+                  <a:lumMod val="15000"/>
+                  <a:lumOff val="85000"/>
+                </a:schemeClr>
+              </a:solidFill>
+              <a:round/>
+            </a:ln>
+            <a:effectLst/>
+          </c:spPr>
+        </c:majorGridlines>
+        <c:numFmt formatCode="mmm\-yy" sourceLinked="1"/>
+        <c:majorTickMark val="none"/>
+        <c:minorTickMark val="none"/>
+        <c:tickLblPos val="nextTo"/>
+        <c:spPr>
+          <a:noFill/>
+          <a:ln w="9525" cap="flat" cmpd="sng" algn="ctr">
+            <a:solidFill>
+              <a:schemeClr val="dk1">
+                <a:lumMod val="15000"/>
+                <a:lumOff val="85000"/>
+              </a:schemeClr>
+            </a:solidFill>
+            <a:round/>
+          </a:ln>
+          <a:effectLst/>
+        </c:spPr>
+        <c:txPr>
+          <a:bodyPr rot="-60000000" spcFirstLastPara="1" vertOverflow="ellipsis" vert="horz" wrap="square" anchor="ctr" anchorCtr="1"/>
+          <a:lstStyle/>
+          <a:p>
+            <a:pPr>
+              <a:defRPr sz="1197" b="0" i="0" u="none" strike="noStrike" kern="1200" cap="none" spc="0" normalizeH="0" baseline="0">
+                <a:solidFill>
+                  <a:schemeClr val="dk1">
+                    <a:lumMod val="65000"/>
+                    <a:lumOff val="35000"/>
+                  </a:schemeClr>
+                </a:solidFill>
+                <a:latin typeface="+mn-lt"/>
+                <a:ea typeface="+mn-ea"/>
+                <a:cs typeface="+mn-cs"/>
+              </a:defRPr>
+            </a:pPr>
+            <a:endParaRPr lang="ja-JP"/>
+          </a:p>
+        </c:txPr>
+        <c:crossAx val="1582667168"/>
+        <c:crosses val="autoZero"/>
+        <c:auto val="1"/>
+        <c:lblOffset val="100"/>
+        <c:baseTimeUnit val="months"/>
+      </c:dateAx>
+      <c:valAx>
+        <c:axId val="1582667168"/>
+        <c:scaling>
+          <c:orientation val="minMax"/>
+          <c:max val="100"/>
+        </c:scaling>
+        <c:delete val="0"/>
+        <c:axPos val="l"/>
+        <c:majorGridlines>
+          <c:spPr>
+            <a:ln w="9525" cap="flat" cmpd="sng" algn="ctr">
+              <a:solidFill>
+                <a:schemeClr val="dk1">
+                  <a:lumMod val="15000"/>
+                  <a:lumOff val="85000"/>
+                </a:schemeClr>
+              </a:solidFill>
+              <a:round/>
+            </a:ln>
+            <a:effectLst/>
+          </c:spPr>
+        </c:majorGridlines>
+        <c:numFmt formatCode="General" sourceLinked="1"/>
+        <c:majorTickMark val="none"/>
+        <c:minorTickMark val="none"/>
+        <c:tickLblPos val="nextTo"/>
+        <c:spPr>
+          <a:noFill/>
+          <a:ln>
+            <a:noFill/>
+          </a:ln>
+          <a:effectLst/>
+        </c:spPr>
+        <c:txPr>
+          <a:bodyPr rot="-60000000" spcFirstLastPara="1" vertOverflow="ellipsis" vert="horz" wrap="square" anchor="ctr" anchorCtr="1"/>
+          <a:lstStyle/>
+          <a:p>
+            <a:pPr>
+              <a:defRPr sz="1197" b="0" i="0" u="none" strike="noStrike" kern="1200" baseline="0">
+                <a:solidFill>
+                  <a:schemeClr val="dk1">
+                    <a:lumMod val="65000"/>
+                    <a:lumOff val="35000"/>
+                  </a:schemeClr>
+                </a:solidFill>
+                <a:latin typeface="+mn-lt"/>
+                <a:ea typeface="+mn-ea"/>
+                <a:cs typeface="+mn-cs"/>
+              </a:defRPr>
+            </a:pPr>
+            <a:endParaRPr lang="ja-JP"/>
+          </a:p>
+        </c:txPr>
+        <c:crossAx val="1582666336"/>
+        <c:crosses val="autoZero"/>
+        <c:crossBetween val="between"/>
+      </c:valAx>
+      <c:spPr>
+        <a:pattFill prst="ltDnDiag">
+          <a:fgClr>
+            <a:schemeClr val="dk1">
+              <a:lumMod val="15000"/>
+              <a:lumOff val="85000"/>
+            </a:schemeClr>
+          </a:fgClr>
+          <a:bgClr>
+            <a:schemeClr val="lt1"/>
+          </a:bgClr>
+        </a:pattFill>
+        <a:ln>
+          <a:noFill/>
+        </a:ln>
+        <a:effectLst/>
+      </c:spPr>
+    </c:plotArea>
+    <c:legend>
+      <c:legendPos val="b"/>
+      <c:overlay val="0"/>
+      <c:spPr>
+        <a:noFill/>
+        <a:ln>
+          <a:noFill/>
+        </a:ln>
+        <a:effectLst/>
+      </c:spPr>
+      <c:txPr>
+        <a:bodyPr rot="0" spcFirstLastPara="1" vertOverflow="ellipsis" vert="horz" wrap="square" anchor="ctr" anchorCtr="1"/>
+        <a:lstStyle/>
+        <a:p>
+          <a:pPr>
+            <a:defRPr sz="1197" b="0" i="0" u="none" strike="noStrike" kern="1200" baseline="0">
+              <a:solidFill>
+                <a:schemeClr val="dk1">
+                  <a:lumMod val="65000"/>
+                  <a:lumOff val="35000"/>
+                </a:schemeClr>
+              </a:solidFill>
+              <a:latin typeface="+mn-lt"/>
+              <a:ea typeface="+mn-ea"/>
+              <a:cs typeface="+mn-cs"/>
+            </a:defRPr>
+          </a:pPr>
+          <a:endParaRPr lang="ja-JP"/>
+        </a:p>
+      </c:txPr>
+    </c:legend>
+    <c:plotVisOnly val="1"/>
+    <c:dispBlanksAs val="gap"/>
+    <c:extLst>
+      <c:ext xmlns:c16r3="http://schemas.microsoft.com/office/drawing/2017/03/chart" uri="{56B9EC1D-385E-4148-901F-78D8002777C0}">
+        <c16r3:dataDisplayOptions16>
+          <c16r3:dispNaAsBlank val="1"/>
+        </c16r3:dataDisplayOptions16>
+      </c:ext>
+    </c:extLst>
+    <c:showDLblsOverMax val="0"/>
+  </c:chart>
+  <c:spPr>
+    <a:solidFill>
+      <a:schemeClr val="lt1"/>
+    </a:solidFill>
+    <a:ln w="9525" cap="flat" cmpd="sng" algn="ctr">
+      <a:solidFill>
+        <a:schemeClr val="dk1">
+          <a:lumMod val="15000"/>
+          <a:lumOff val="85000"/>
+        </a:schemeClr>
+      </a:solidFill>
+      <a:round/>
+    </a:ln>
+    <a:effectLst/>
+  </c:spPr>
+  <c:txPr>
+    <a:bodyPr/>
+    <a:lstStyle/>
+    <a:p>
+      <a:pPr>
+        <a:defRPr/>
+      </a:pPr>
+      <a:endParaRPr lang="ja-JP"/>
+    </a:p>
+  </c:txPr>
+  <c:externalData r:id="rId3">
+    <c:autoUpdate val="0"/>
+  </c:externalData>
+</c:chartSpace>
+</file>
+
+<file path=ppt/charts/colors1.xml><?xml version="1.0" encoding="utf-8"?>
+<cs:colorStyle xmlns:cs="http://schemas.microsoft.com/office/drawing/2012/chartStyle" xmlns:a="http://schemas.openxmlformats.org/drawingml/2006/main" meth="cycle" id="10">
+  <a:schemeClr val="accent1"/>
+  <a:schemeClr val="accent2"/>
+  <a:schemeClr val="accent3"/>
+  <a:schemeClr val="accent4"/>
+  <a:schemeClr val="accent5"/>
+  <a:schemeClr val="accent6"/>
+  <cs:variation/>
+  <cs:variation>
+    <a:lumMod val="60000"/>
+  </cs:variation>
+  <cs:variation>
+    <a:lumMod val="80000"/>
+    <a:lumOff val="20000"/>
+  </cs:variation>
+  <cs:variation>
+    <a:lumMod val="80000"/>
+  </cs:variation>
+  <cs:variation>
+    <a:lumMod val="60000"/>
+    <a:lumOff val="40000"/>
+  </cs:variation>
+  <cs:variation>
+    <a:lumMod val="50000"/>
+  </cs:variation>
+  <cs:variation>
+    <a:lumMod val="70000"/>
+    <a:lumOff val="30000"/>
+  </cs:variation>
+  <cs:variation>
+    <a:lumMod val="70000"/>
+  </cs:variation>
+  <cs:variation>
+    <a:lumMod val="50000"/>
+    <a:lumOff val="50000"/>
+  </cs:variation>
+</cs:colorStyle>
+</file>
+
+<file path=ppt/charts/style1.xml><?xml version="1.0" encoding="utf-8"?>
+<cs:chartStyle xmlns:cs="http://schemas.microsoft.com/office/drawing/2012/chartStyle" xmlns:a="http://schemas.openxmlformats.org/drawingml/2006/main" id="221">
+  <cs:axisTitle>
+    <cs:lnRef idx="0"/>
+    <cs:fillRef idx="0"/>
+    <cs:effectRef idx="0"/>
+    <cs:fontRef idx="minor">
+      <a:schemeClr val="dk1">
+        <a:lumMod val="65000"/>
+        <a:lumOff val="35000"/>
+      </a:schemeClr>
+    </cs:fontRef>
+    <cs:defRPr sz="1197" b="1" kern="1200"/>
+  </cs:axisTitle>
+  <cs:categoryAxis>
+    <cs:lnRef idx="0"/>
+    <cs:fillRef idx="0"/>
+    <cs:effectRef idx="0"/>
+    <cs:fontRef idx="minor">
+      <a:schemeClr val="dk1">
+        <a:lumMod val="65000"/>
+        <a:lumOff val="35000"/>
+      </a:schemeClr>
+    </cs:fontRef>
+    <cs:spPr>
+      <a:ln w="9525" cap="flat" cmpd="sng" algn="ctr">
+        <a:solidFill>
+          <a:schemeClr val="dk1">
+            <a:lumMod val="15000"/>
+            <a:lumOff val="85000"/>
+          </a:schemeClr>
+        </a:solidFill>
+        <a:round/>
+      </a:ln>
+    </cs:spPr>
+    <cs:defRPr sz="1197" kern="1200" cap="none" spc="0" normalizeH="0" baseline="0"/>
+  </cs:categoryAxis>
+  <cs:chartArea>
+    <cs:lnRef idx="0"/>
+    <cs:fillRef idx="0"/>
+    <cs:effectRef idx="0"/>
+    <cs:fontRef idx="minor">
+      <a:schemeClr val="dk1"/>
+    </cs:fontRef>
+    <cs:spPr>
+      <a:solidFill>
+        <a:schemeClr val="lt1"/>
+      </a:solidFill>
+      <a:ln w="9525" cap="flat" cmpd="sng" algn="ctr">
+        <a:solidFill>
+          <a:schemeClr val="dk1">
+            <a:lumMod val="15000"/>
+            <a:lumOff val="85000"/>
+          </a:schemeClr>
+        </a:solidFill>
+        <a:round/>
+      </a:ln>
+    </cs:spPr>
+    <cs:defRPr sz="1197" kern="1200"/>
+  </cs:chartArea>
+  <cs:dataLabel>
+    <cs:lnRef idx="0"/>
+    <cs:fillRef idx="0"/>
+    <cs:effectRef idx="0"/>
+    <cs:fontRef idx="minor">
+      <a:schemeClr val="dk1">
+        <a:lumMod val="75000"/>
+        <a:lumOff val="25000"/>
+      </a:schemeClr>
+    </cs:fontRef>
+    <cs:defRPr sz="1197" kern="1200"/>
+  </cs:dataLabel>
+  <cs:dataLabelCallout>
+    <cs:lnRef idx="0"/>
+    <cs:fillRef idx="0"/>
+    <cs:effectRef idx="0"/>
+    <cs:fontRef idx="minor">
+      <a:schemeClr val="dk1">
+        <a:lumMod val="65000"/>
+        <a:lumOff val="35000"/>
+      </a:schemeClr>
+    </cs:fontRef>
+    <cs:spPr>
+      <a:solidFill>
+        <a:schemeClr val="lt1"/>
+      </a:solidFill>
+      <a:ln>
+        <a:solidFill>
+          <a:schemeClr val="dk1">
+            <a:lumMod val="25000"/>
+            <a:lumOff val="75000"/>
+          </a:schemeClr>
+        </a:solidFill>
+      </a:ln>
+    </cs:spPr>
+    <cs:defRPr sz="1197" kern="1200"/>
+    <cs:bodyPr rot="0" spcFirstLastPara="1" vertOverflow="clip" horzOverflow="clip" vert="horz" wrap="square" lIns="36576" tIns="18288" rIns="36576" bIns="18288" anchor="ctr" anchorCtr="1">
+      <a:spAutoFit/>
+    </cs:bodyPr>
+  </cs:dataLabelCallout>
+  <cs:dataPoint>
+    <cs:lnRef idx="0"/>
+    <cs:fillRef idx="0">
+      <cs:styleClr val="auto"/>
+    </cs:fillRef>
+    <cs:effectRef idx="0"/>
+    <cs:fontRef idx="minor">
+      <a:schemeClr val="dk1"/>
+    </cs:fontRef>
+    <cs:spPr>
+      <a:solidFill>
+        <a:schemeClr val="phClr"/>
+      </a:solidFill>
+    </cs:spPr>
+  </cs:dataPoint>
+  <cs:dataPoint3D>
+    <cs:lnRef idx="0"/>
+    <cs:fillRef idx="0">
+      <cs:styleClr val="auto"/>
+    </cs:fillRef>
+    <cs:effectRef idx="0"/>
+    <cs:fontRef idx="minor">
+      <a:schemeClr val="dk1"/>
+    </cs:fontRef>
+    <cs:spPr>
+      <a:solidFill>
+        <a:schemeClr val="phClr"/>
+      </a:solidFill>
+    </cs:spPr>
+  </cs:dataPoint3D>
+  <cs:dataPointLine>
+    <cs:lnRef idx="0">
+      <cs:styleClr val="auto"/>
+    </cs:lnRef>
+    <cs:fillRef idx="0"/>
+    <cs:effectRef idx="0"/>
+    <cs:fontRef idx="minor">
+      <a:schemeClr val="dk1"/>
+    </cs:fontRef>
+    <cs:spPr>
+      <a:ln w="22225" cap="rnd">
+        <a:solidFill>
+          <a:schemeClr val="phClr"/>
+        </a:solidFill>
+        <a:round/>
+      </a:ln>
+    </cs:spPr>
+  </cs:dataPointLine>
+  <cs:dataPointMarker>
+    <cs:lnRef idx="0">
+      <cs:styleClr val="auto"/>
+    </cs:lnRef>
+    <cs:fillRef idx="0">
+      <cs:styleClr val="auto"/>
+    </cs:fillRef>
+    <cs:effectRef idx="0"/>
+    <cs:fontRef idx="minor">
+      <a:schemeClr val="dk1"/>
+    </cs:fontRef>
+    <cs:spPr>
+      <a:solidFill>
+        <a:schemeClr val="lt1"/>
+      </a:solidFill>
+      <a:ln w="15875">
+        <a:solidFill>
+          <a:schemeClr val="phClr"/>
+        </a:solidFill>
+        <a:round/>
+      </a:ln>
+    </cs:spPr>
+  </cs:dataPointMarker>
+  <cs:dataPointMarkerLayout symbol="circle" size="6"/>
+  <cs:dataPointWireframe>
+    <cs:lnRef idx="0">
+      <cs:styleClr val="auto"/>
+    </cs:lnRef>
+    <cs:fillRef idx="0"/>
+    <cs:effectRef idx="0"/>
+    <cs:fontRef idx="minor">
+      <a:schemeClr val="dk1"/>
+    </cs:fontRef>
+    <cs:spPr>
+      <a:ln w="9525" cap="rnd">
+        <a:solidFill>
+          <a:schemeClr val="phClr"/>
+        </a:solidFill>
+        <a:round/>
+      </a:ln>
+    </cs:spPr>
+  </cs:dataPointWireframe>
+  <cs:dataTable>
+    <cs:lnRef idx="0"/>
+    <cs:fillRef idx="0"/>
+    <cs:effectRef idx="0"/>
+    <cs:fontRef idx="minor">
+      <a:schemeClr val="dk1">
+        <a:lumMod val="65000"/>
+        <a:lumOff val="35000"/>
+      </a:schemeClr>
+    </cs:fontRef>
+    <cs:spPr>
+      <a:ln w="9525" cap="flat" cmpd="sng" algn="ctr">
+        <a:solidFill>
+          <a:schemeClr val="dk1">
+            <a:lumMod val="15000"/>
+            <a:lumOff val="85000"/>
+          </a:schemeClr>
+        </a:solidFill>
+        <a:round/>
+      </a:ln>
+    </cs:spPr>
+    <cs:defRPr sz="1064" kern="1200"/>
+  </cs:dataTable>
+  <cs:downBar>
+    <cs:lnRef idx="0"/>
+    <cs:fillRef idx="0"/>
+    <cs:effectRef idx="0"/>
+    <cs:fontRef idx="minor">
+      <a:schemeClr val="dk1"/>
+    </cs:fontRef>
+    <cs:spPr>
+      <a:solidFill>
+        <a:schemeClr val="dk1">
+          <a:lumMod val="75000"/>
+          <a:lumOff val="25000"/>
+        </a:schemeClr>
+      </a:solidFill>
+      <a:ln w="9525" cap="flat" cmpd="sng" algn="ctr">
+        <a:solidFill>
+          <a:schemeClr val="dk1">
+            <a:lumMod val="50000"/>
+            <a:lumOff val="50000"/>
+          </a:schemeClr>
+        </a:solidFill>
+        <a:round/>
+      </a:ln>
+    </cs:spPr>
+  </cs:downBar>
+  <cs:dropLine>
+    <cs:lnRef idx="0"/>
+    <cs:fillRef idx="0"/>
+    <cs:effectRef idx="0"/>
+    <cs:fontRef idx="minor">
+      <a:schemeClr val="dk1"/>
+    </cs:fontRef>
+    <cs:spPr>
+      <a:ln w="9525" cap="flat" cmpd="sng" algn="ctr">
+        <a:solidFill>
+          <a:schemeClr val="dk1">
+            <a:lumMod val="35000"/>
+            <a:lumOff val="65000"/>
+          </a:schemeClr>
+        </a:solidFill>
+        <a:round/>
+      </a:ln>
+    </cs:spPr>
+  </cs:dropLine>
+  <cs:errorBar>
+    <cs:lnRef idx="0"/>
+    <cs:fillRef idx="0"/>
+    <cs:effectRef idx="0"/>
+    <cs:fontRef idx="minor">
+      <a:schemeClr val="dk1"/>
+    </cs:fontRef>
+    <cs:spPr>
+      <a:ln w="9525" cap="flat" cmpd="sng" algn="ctr">
+        <a:solidFill>
+          <a:schemeClr val="dk1">
+            <a:lumMod val="50000"/>
+            <a:lumOff val="50000"/>
+          </a:schemeClr>
+        </a:solidFill>
+        <a:round/>
+      </a:ln>
+    </cs:spPr>
+  </cs:errorBar>
+  <cs:floor>
+    <cs:lnRef idx="0"/>
+    <cs:fillRef idx="0"/>
+    <cs:effectRef idx="0"/>
+    <cs:fontRef idx="minor">
+      <a:schemeClr val="dk1"/>
+    </cs:fontRef>
+    <cs:spPr>
+      <a:pattFill prst="ltDnDiag">
+        <a:fgClr>
+          <a:schemeClr val="dk1">
+            <a:lumMod val="15000"/>
+            <a:lumOff val="85000"/>
+          </a:schemeClr>
+        </a:fgClr>
+        <a:bgClr>
+          <a:schemeClr val="lt1"/>
+        </a:bgClr>
+      </a:pattFill>
+    </cs:spPr>
+  </cs:floor>
+  <cs:gridlineMajor>
+    <cs:lnRef idx="0"/>
+    <cs:fillRef idx="0"/>
+    <cs:effectRef idx="0"/>
+    <cs:fontRef idx="minor">
+      <a:schemeClr val="dk1"/>
+    </cs:fontRef>
+    <cs:spPr>
+      <a:ln w="9525" cap="flat" cmpd="sng" algn="ctr">
+        <a:solidFill>
+          <a:schemeClr val="dk1">
+            <a:lumMod val="15000"/>
+            <a:lumOff val="85000"/>
+          </a:schemeClr>
+        </a:solidFill>
+        <a:round/>
+      </a:ln>
+    </cs:spPr>
+  </cs:gridlineMajor>
+  <cs:gridlineMinor>
+    <cs:lnRef idx="0"/>
+    <cs:fillRef idx="0"/>
+    <cs:effectRef idx="0"/>
+    <cs:fontRef idx="minor">
+      <a:schemeClr val="dk1"/>
+    </cs:fontRef>
+    <cs:spPr>
+      <a:ln w="9525" cap="flat" cmpd="sng" algn="ctr">
+        <a:solidFill>
+          <a:schemeClr val="dk1">
+            <a:lumMod val="5000"/>
+            <a:lumOff val="95000"/>
+          </a:schemeClr>
+        </a:solidFill>
+        <a:round/>
+      </a:ln>
+    </cs:spPr>
+  </cs:gridlineMinor>
+  <cs:hiLoLine>
+    <cs:lnRef idx="0"/>
+    <cs:fillRef idx="0"/>
+    <cs:effectRef idx="0"/>
+    <cs:fontRef idx="minor">
+      <a:schemeClr val="dk1"/>
+    </cs:fontRef>
+    <cs:spPr>
+      <a:ln w="9525" cap="flat" cmpd="sng" algn="ctr">
+        <a:solidFill>
+          <a:schemeClr val="dk1">
+            <a:lumMod val="35000"/>
+            <a:lumOff val="65000"/>
+          </a:schemeClr>
+        </a:solidFill>
+        <a:round/>
+      </a:ln>
+    </cs:spPr>
+  </cs:hiLoLine>
+  <cs:leaderLine>
+    <cs:lnRef idx="0"/>
+    <cs:fillRef idx="0"/>
+    <cs:effectRef idx="0"/>
+    <cs:fontRef idx="minor">
+      <a:schemeClr val="dk1"/>
+    </cs:fontRef>
+    <cs:spPr>
+      <a:ln w="9525" cap="flat" cmpd="sng" algn="ctr">
+        <a:solidFill>
+          <a:schemeClr val="dk1">
+            <a:lumMod val="35000"/>
+            <a:lumOff val="65000"/>
+          </a:schemeClr>
+        </a:solidFill>
+        <a:round/>
+      </a:ln>
+    </cs:spPr>
+  </cs:leaderLine>
+  <cs:legend>
+    <cs:lnRef idx="0"/>
+    <cs:fillRef idx="0"/>
+    <cs:effectRef idx="0"/>
+    <cs:fontRef idx="minor">
+      <a:schemeClr val="dk1">
+        <a:lumMod val="65000"/>
+        <a:lumOff val="35000"/>
+      </a:schemeClr>
+    </cs:fontRef>
+    <cs:defRPr sz="1197" kern="1200"/>
+  </cs:legend>
+  <cs:plotArea>
+    <cs:lnRef idx="0"/>
+    <cs:fillRef idx="0"/>
+    <cs:effectRef idx="0"/>
+    <cs:fontRef idx="minor">
+      <a:schemeClr val="dk1"/>
+    </cs:fontRef>
+    <cs:spPr>
+      <a:pattFill prst="ltDnDiag">
+        <a:fgClr>
+          <a:schemeClr val="dk1">
+            <a:lumMod val="15000"/>
+            <a:lumOff val="85000"/>
+          </a:schemeClr>
+        </a:fgClr>
+        <a:bgClr>
+          <a:schemeClr val="lt1"/>
+        </a:bgClr>
+      </a:pattFill>
+    </cs:spPr>
+  </cs:plotArea>
+  <cs:plotArea3D>
+    <cs:lnRef idx="0"/>
+    <cs:fillRef idx="0"/>
+    <cs:effectRef idx="0"/>
+    <cs:fontRef idx="minor">
+      <a:schemeClr val="dk1"/>
+    </cs:fontRef>
+    <cs:spPr>
+      <a:solidFill>
+        <a:schemeClr val="lt1"/>
+      </a:solidFill>
+    </cs:spPr>
+  </cs:plotArea3D>
+  <cs:seriesAxis>
+    <cs:lnRef idx="0"/>
+    <cs:fillRef idx="0"/>
+    <cs:effectRef idx="0"/>
+    <cs:fontRef idx="minor">
+      <a:schemeClr val="dk1">
+        <a:lumMod val="65000"/>
+        <a:lumOff val="35000"/>
+      </a:schemeClr>
+    </cs:fontRef>
+    <cs:defRPr sz="1197" kern="1200"/>
+  </cs:seriesAxis>
+  <cs:seriesLine>
+    <cs:lnRef idx="0"/>
+    <cs:fillRef idx="0"/>
+    <cs:effectRef idx="0"/>
+    <cs:fontRef idx="minor">
+      <a:schemeClr val="dk1"/>
+    </cs:fontRef>
+    <cs:spPr>
+      <a:ln w="9525" cap="flat" cmpd="sng" algn="ctr">
+        <a:solidFill>
+          <a:schemeClr val="dk1">
+            <a:lumMod val="35000"/>
+            <a:lumOff val="65000"/>
+          </a:schemeClr>
+        </a:solidFill>
+        <a:round/>
+      </a:ln>
+    </cs:spPr>
+  </cs:seriesLine>
+  <cs:title>
+    <cs:lnRef idx="0"/>
+    <cs:fillRef idx="0"/>
+    <cs:effectRef idx="0"/>
+    <cs:fontRef idx="major">
+      <a:schemeClr val="dk1">
+        <a:lumMod val="50000"/>
+        <a:lumOff val="50000"/>
+      </a:schemeClr>
+    </cs:fontRef>
+    <cs:defRPr sz="2128" b="1" kern="1200" cap="none" spc="0" normalizeH="0" baseline="0"/>
+  </cs:title>
+  <cs:trendline>
+    <cs:lnRef idx="0">
+      <cs:styleClr val="auto"/>
+    </cs:lnRef>
+    <cs:fillRef idx="0"/>
+    <cs:effectRef idx="0"/>
+    <cs:fontRef idx="minor">
+      <a:schemeClr val="dk1"/>
+    </cs:fontRef>
+    <cs:spPr>
+      <a:ln w="19050" cap="rnd">
+        <a:solidFill>
+          <a:schemeClr val="phClr"/>
+        </a:solidFill>
+      </a:ln>
+    </cs:spPr>
+  </cs:trendline>
+  <cs:trendlineLabel>
+    <cs:lnRef idx="0"/>
+    <cs:fillRef idx="0"/>
+    <cs:effectRef idx="0"/>
+    <cs:fontRef idx="minor">
+      <a:schemeClr val="dk1">
+        <a:lumMod val="65000"/>
+        <a:lumOff val="35000"/>
+      </a:schemeClr>
+    </cs:fontRef>
+    <cs:defRPr sz="1197" kern="1200"/>
+  </cs:trendlineLabel>
+  <cs:upBar>
+    <cs:lnRef idx="0"/>
+    <cs:fillRef idx="0"/>
+    <cs:effectRef idx="0"/>
+    <cs:fontRef idx="minor">
+      <a:schemeClr val="dk1"/>
+    </cs:fontRef>
+    <cs:spPr>
+      <a:solidFill>
+        <a:schemeClr val="lt1"/>
+      </a:solidFill>
+      <a:ln w="9525" cap="flat" cmpd="sng" algn="ctr">
+        <a:solidFill>
+          <a:schemeClr val="dk1">
+            <a:lumMod val="50000"/>
+            <a:lumOff val="50000"/>
+          </a:schemeClr>
+        </a:solidFill>
+        <a:round/>
+      </a:ln>
+    </cs:spPr>
+  </cs:upBar>
+  <cs:valueAxis>
+    <cs:lnRef idx="0"/>
+    <cs:fillRef idx="0"/>
+    <cs:effectRef idx="0"/>
+    <cs:fontRef idx="minor">
+      <a:schemeClr val="dk1">
+        <a:lumMod val="65000"/>
+        <a:lumOff val="35000"/>
+      </a:schemeClr>
+    </cs:fontRef>
+    <cs:defRPr sz="1197" kern="1200"/>
+  </cs:valueAxis>
+  <cs:wall>
+    <cs:lnRef idx="0"/>
+    <cs:fillRef idx="0"/>
+    <cs:effectRef idx="0"/>
+    <cs:fontRef idx="minor">
+      <a:schemeClr val="dk1"/>
+    </cs:fontRef>
+    <cs:spPr>
+      <a:pattFill prst="ltDnDiag">
+        <a:fgClr>
+          <a:schemeClr val="dk1">
+            <a:lumMod val="15000"/>
+            <a:lumOff val="85000"/>
+          </a:schemeClr>
+        </a:fgClr>
+        <a:bgClr>
+          <a:schemeClr val="lt1"/>
+        </a:bgClr>
+      </a:pattFill>
+    </cs:spPr>
+  </cs:wall>
+</cs:chartStyle>
+</file>
+
 <file path=ppt/comments/comment1.xml><?xml version="1.0" encoding="utf-8"?>
 <p:cmLst xmlns:a="http://schemas.openxmlformats.org/drawingml/2006/main" xmlns:r="http://schemas.openxmlformats.org/officeDocument/2006/relationships" xmlns:p="http://schemas.openxmlformats.org/presentationml/2006/main">
   <p:cm authorId="1" dt="2019-01-11T15:19:39.809" idx="1">
@@ -224,7 +1546,7 @@
           <a:p>
             <a:fld id="{4CBAD8EE-58D2-6244-A1A7-697D578A9200}" type="datetimeFigureOut">
               <a:rPr kumimoji="1" lang="ja-JP" altLang="en-US" smtClean="0"/>
-              <a:t>2022/8/5</a:t>
+              <a:t>2022/8/8</a:t>
             </a:fld>
             <a:endParaRPr kumimoji="1" lang="ja-JP" altLang="en-US"/>
           </a:p>
@@ -585,7 +1907,7 @@
               <a:defRPr/>
             </a:pPr>
             <a:r>
-              <a:rPr lang="en-US" sz="1400" b="1">
+              <a:rPr lang="en-US" sz="1400" b="1" dirty="0">
                 <a:gradFill>
                   <a:gsLst>
                     <a:gs pos="0">
@@ -604,7 +1926,7 @@
             </a:r>
           </a:p>
           <a:p>
-            <a:endParaRPr lang="en-US" sz="1224" b="0" i="1" u="none" strike="noStrike" kern="1200" baseline="0">
+            <a:endParaRPr lang="en-US" sz="1224" b="0" i="1" u="none" strike="noStrike" kern="1200" baseline="0" dirty="0">
               <a:solidFill>
                 <a:schemeClr val="tx1"/>
               </a:solidFill>
@@ -614,7 +1936,7 @@
             </a:endParaRPr>
           </a:p>
           <a:p>
-            <a:endParaRPr lang="en-US" sz="1224" b="0" i="1" u="none" strike="noStrike" kern="1200" baseline="0">
+            <a:endParaRPr lang="en-US" sz="1224" b="0" i="1" u="none" strike="noStrike" kern="1200" baseline="0" dirty="0">
               <a:solidFill>
                 <a:schemeClr val="tx1"/>
               </a:solidFill>
@@ -625,7 +1947,7 @@
           </a:p>
           <a:p>
             <a:r>
-              <a:rPr lang="en-US" sz="1224" b="0" i="1" u="none" strike="noStrike" kern="1200" baseline="0">
+              <a:rPr lang="en-US" sz="1224" b="0" i="1" u="none" strike="noStrike" kern="1200" baseline="0" dirty="0">
                 <a:solidFill>
                   <a:schemeClr val="tx1"/>
                 </a:solidFill>
@@ -636,7 +1958,7 @@
               <a:t>Service availability </a:t>
             </a:r>
             <a:r>
-              <a:rPr lang="en-US" sz="1224" b="0" i="0" u="none" strike="noStrike" kern="1200" baseline="0">
+              <a:rPr lang="en-US" sz="1224" b="0" i="0" u="none" strike="noStrike" kern="1200" baseline="0" dirty="0">
                 <a:solidFill>
                   <a:schemeClr val="tx1"/>
                 </a:solidFill>
@@ -647,7 +1969,7 @@
               <a:t>is commonly defined as the percentage of time that an application is operating normally. That is, it’s the percentage of time that it’s correctly performing the operations expected of it. This percentage is calculated over periods of time, such as a month, year, or trailing 3 years. Applying the strictest possible interpretation, availability is reduced any time the application isn’t operating normally, including both scheduled and unscheduled interruptions. We define </a:t>
             </a:r>
             <a:r>
-              <a:rPr lang="en-US" sz="1224" b="0" i="1" u="none" strike="noStrike" kern="1200" baseline="0">
+              <a:rPr lang="en-US" sz="1224" b="0" i="1" u="none" strike="noStrike" kern="1200" baseline="0" dirty="0">
                 <a:solidFill>
                   <a:schemeClr val="tx1"/>
                 </a:solidFill>
@@ -658,7 +1980,7 @@
               <a:t>availability </a:t>
             </a:r>
             <a:r>
-              <a:rPr lang="en-US" sz="1224" b="0" i="0" u="none" strike="noStrike" kern="1200" baseline="0">
+              <a:rPr lang="en-US" sz="1224" b="0" i="0" u="none" strike="noStrike" kern="1200" baseline="0" dirty="0">
                 <a:solidFill>
                   <a:schemeClr val="tx1"/>
                 </a:solidFill>
@@ -675,7 +1997,7 @@
               <a:buChar char="•"/>
             </a:pPr>
             <a:r>
-              <a:rPr lang="en-US" sz="1224" b="0" i="0" u="none" strike="noStrike" kern="1200" baseline="0">
+              <a:rPr lang="en-US" sz="1224" b="0" i="0" u="none" strike="noStrike" kern="1200" baseline="0" dirty="0">
                 <a:solidFill>
                   <a:schemeClr val="tx1"/>
                 </a:solidFill>
@@ -692,7 +2014,7 @@
               <a:buChar char="•"/>
             </a:pPr>
             <a:r>
-              <a:rPr lang="en-US" sz="1224" b="0" i="0" u="none" strike="noStrike" kern="1200" baseline="0">
+              <a:rPr lang="en-US" sz="1224" b="0" i="0" u="none" strike="noStrike" kern="1200" baseline="0" dirty="0">
                 <a:solidFill>
                   <a:schemeClr val="tx1"/>
                 </a:solidFill>
@@ -709,7 +2031,7 @@
               <a:buChar char="•"/>
             </a:pPr>
             <a:r>
-              <a:rPr lang="en-US" sz="1224" b="0" i="0" u="none" strike="noStrike" kern="1200" baseline="0">
+              <a:rPr lang="en-US" sz="1224" b="0" i="0" u="none" strike="noStrike" kern="1200" baseline="0" dirty="0">
                 <a:solidFill>
                   <a:schemeClr val="tx1"/>
                 </a:solidFill>
@@ -726,7 +2048,7 @@
               <a:buChar char="•"/>
             </a:pPr>
             <a:r>
-              <a:rPr lang="en-US" sz="1224" b="0" i="0" u="none" strike="noStrike" kern="1200" baseline="0">
+              <a:rPr lang="en-US" sz="1224" b="0" i="0" u="none" strike="noStrike" kern="1200" baseline="0" dirty="0">
                 <a:solidFill>
                   <a:schemeClr val="tx1"/>
                 </a:solidFill>
@@ -738,7 +2060,7 @@
             </a:r>
           </a:p>
           <a:p>
-            <a:endParaRPr lang="en-US" sz="1224" b="0" i="0" u="none" strike="noStrike" kern="1200" baseline="0">
+            <a:endParaRPr lang="en-US" sz="1224" b="0" i="0" u="none" strike="noStrike" kern="1200" baseline="0" dirty="0">
               <a:solidFill>
                 <a:schemeClr val="tx1"/>
               </a:solidFill>
@@ -749,7 +2071,7 @@
           </a:p>
           <a:p>
             <a:r>
-              <a:rPr lang="en-US" sz="1224" b="0" i="0" u="none" strike="noStrike" kern="1200" baseline="0">
+              <a:rPr lang="en-US" sz="1224" b="0" i="0" u="none" strike="noStrike" kern="1200" baseline="0" dirty="0">
                 <a:solidFill>
                   <a:schemeClr val="tx1"/>
                 </a:solidFill>
@@ -759,7 +2081,7 @@
               </a:rPr>
               <a:t>Here is a table of common application availability design goals and the possible length of interruptions that can occur within a year while still meeting the goal. The table contains examples of the types of applications we commonly see at each availability tier. </a:t>
             </a:r>
-            <a:endParaRPr lang="en-US" sz="1200" b="0" i="1" kern="1200">
+            <a:endParaRPr lang="en-US" sz="1200" b="0" i="1" kern="1200" dirty="0">
               <a:solidFill>
                 <a:schemeClr val="tx1"/>
               </a:solidFill>
@@ -835,7 +2157,7 @@
                 <a:tabLst/>
                 <a:defRPr/>
               </a:pPr>
-              <a:t>2</a:t>
+              <a:t>1</a:t>
             </a:fld>
             <a:endParaRPr kumimoji="0" lang="en-US" sz="1200" b="0" i="0" u="none" strike="noStrike" kern="1200" cap="none" spc="0" normalizeH="0" baseline="0" noProof="0">
               <a:ln>
@@ -1014,7 +2336,7 @@
           <a:p>
             <a:fld id="{70F7E707-7CBC-0C4C-9F3E-C57D4063E43F}" type="datetimeFigureOut">
               <a:rPr kumimoji="1" lang="ja-JP" altLang="en-US" smtClean="0"/>
-              <a:t>2022/8/5</a:t>
+              <a:t>2022/8/8</a:t>
             </a:fld>
             <a:endParaRPr kumimoji="1" lang="ja-JP" altLang="en-US"/>
           </a:p>
@@ -1244,7 +2566,7 @@
           <a:p>
             <a:fld id="{70F7E707-7CBC-0C4C-9F3E-C57D4063E43F}" type="datetimeFigureOut">
               <a:rPr kumimoji="1" lang="ja-JP" altLang="en-US" smtClean="0"/>
-              <a:t>2022/8/5</a:t>
+              <a:t>2022/8/8</a:t>
             </a:fld>
             <a:endParaRPr kumimoji="1" lang="ja-JP" altLang="en-US"/>
           </a:p>
@@ -1484,7 +2806,7 @@
           <a:p>
             <a:fld id="{70F7E707-7CBC-0C4C-9F3E-C57D4063E43F}" type="datetimeFigureOut">
               <a:rPr kumimoji="1" lang="ja-JP" altLang="en-US" smtClean="0"/>
-              <a:t>2022/8/5</a:t>
+              <a:t>2022/8/8</a:t>
             </a:fld>
             <a:endParaRPr kumimoji="1" lang="ja-JP" altLang="en-US"/>
           </a:p>
@@ -1839,7 +3161,7 @@
           <a:p>
             <a:fld id="{70F7E707-7CBC-0C4C-9F3E-C57D4063E43F}" type="datetimeFigureOut">
               <a:rPr kumimoji="1" lang="ja-JP" altLang="en-US" smtClean="0"/>
-              <a:t>2022/8/5</a:t>
+              <a:t>2022/8/8</a:t>
             </a:fld>
             <a:endParaRPr kumimoji="1" lang="ja-JP" altLang="en-US"/>
           </a:p>
@@ -2114,7 +3436,7 @@
           <a:p>
             <a:fld id="{70F7E707-7CBC-0C4C-9F3E-C57D4063E43F}" type="datetimeFigureOut">
               <a:rPr kumimoji="1" lang="ja-JP" altLang="en-US" smtClean="0"/>
-              <a:t>2022/8/5</a:t>
+              <a:t>2022/8/8</a:t>
             </a:fld>
             <a:endParaRPr kumimoji="1" lang="ja-JP" altLang="en-US"/>
           </a:p>
@@ -2443,7 +3765,7 @@
           <a:p>
             <a:fld id="{70F7E707-7CBC-0C4C-9F3E-C57D4063E43F}" type="datetimeFigureOut">
               <a:rPr kumimoji="1" lang="ja-JP" altLang="en-US" smtClean="0"/>
-              <a:t>2022/8/5</a:t>
+              <a:t>2022/8/8</a:t>
             </a:fld>
             <a:endParaRPr kumimoji="1" lang="ja-JP" altLang="en-US"/>
           </a:p>
@@ -2919,7 +4241,7 @@
           <a:p>
             <a:fld id="{70F7E707-7CBC-0C4C-9F3E-C57D4063E43F}" type="datetimeFigureOut">
               <a:rPr kumimoji="1" lang="ja-JP" altLang="en-US" smtClean="0"/>
-              <a:t>2022/8/5</a:t>
+              <a:t>2022/8/8</a:t>
             </a:fld>
             <a:endParaRPr kumimoji="1" lang="ja-JP" altLang="en-US"/>
           </a:p>
@@ -3060,7 +4382,7 @@
           <a:p>
             <a:fld id="{70F7E707-7CBC-0C4C-9F3E-C57D4063E43F}" type="datetimeFigureOut">
               <a:rPr kumimoji="1" lang="ja-JP" altLang="en-US" smtClean="0"/>
-              <a:t>2022/8/5</a:t>
+              <a:t>2022/8/8</a:t>
             </a:fld>
             <a:endParaRPr kumimoji="1" lang="ja-JP" altLang="en-US"/>
           </a:p>
@@ -3173,7 +4495,7 @@
           <a:p>
             <a:fld id="{70F7E707-7CBC-0C4C-9F3E-C57D4063E43F}" type="datetimeFigureOut">
               <a:rPr kumimoji="1" lang="ja-JP" altLang="en-US" smtClean="0"/>
-              <a:t>2022/8/5</a:t>
+              <a:t>2022/8/8</a:t>
             </a:fld>
             <a:endParaRPr kumimoji="1" lang="ja-JP" altLang="en-US"/>
           </a:p>
@@ -3516,7 +4838,7 @@
           <a:p>
             <a:fld id="{70F7E707-7CBC-0C4C-9F3E-C57D4063E43F}" type="datetimeFigureOut">
               <a:rPr kumimoji="1" lang="ja-JP" altLang="en-US" smtClean="0"/>
-              <a:t>2022/8/5</a:t>
+              <a:t>2022/8/8</a:t>
             </a:fld>
             <a:endParaRPr kumimoji="1" lang="ja-JP" altLang="en-US"/>
           </a:p>
@@ -3804,7 +5126,7 @@
           <a:p>
             <a:fld id="{70F7E707-7CBC-0C4C-9F3E-C57D4063E43F}" type="datetimeFigureOut">
               <a:rPr kumimoji="1" lang="ja-JP" altLang="en-US" smtClean="0"/>
-              <a:t>2022/8/5</a:t>
+              <a:t>2022/8/8</a:t>
             </a:fld>
             <a:endParaRPr kumimoji="1" lang="ja-JP" altLang="en-US"/>
           </a:p>
@@ -4077,7 +5399,7 @@
           <a:p>
             <a:fld id="{70F7E707-7CBC-0C4C-9F3E-C57D4063E43F}" type="datetimeFigureOut">
               <a:rPr kumimoji="1" lang="ja-JP" altLang="en-US" smtClean="0"/>
-              <a:t>2022/8/5</a:t>
+              <a:t>2022/8/8</a:t>
             </a:fld>
             <a:endParaRPr kumimoji="1" lang="ja-JP" altLang="en-US"/>
           </a:p>
@@ -4495,36 +5817,6 @@
           <a:chExt cx="0" cy="0"/>
         </a:xfrm>
       </p:grpSpPr>
-    </p:spTree>
-    <p:extLst>
-      <p:ext uri="{BB962C8B-B14F-4D97-AF65-F5344CB8AC3E}">
-        <p14:creationId xmlns:p14="http://schemas.microsoft.com/office/powerpoint/2010/main" val="2941087007"/>
-      </p:ext>
-    </p:extLst>
-  </p:cSld>
-  <p:clrMapOvr>
-    <a:masterClrMapping/>
-  </p:clrMapOvr>
-</p:sld>
-</file>
-
-<file path=ppt/slides/slide2.xml><?xml version="1.0" encoding="utf-8"?>
-<p:sld xmlns:a="http://schemas.openxmlformats.org/drawingml/2006/main" xmlns:r="http://schemas.openxmlformats.org/officeDocument/2006/relationships" xmlns:p="http://schemas.openxmlformats.org/presentationml/2006/main">
-  <p:cSld>
-    <p:spTree>
-      <p:nvGrpSpPr>
-        <p:cNvPr id="1" name=""/>
-        <p:cNvGrpSpPr/>
-        <p:nvPr/>
-      </p:nvGrpSpPr>
-      <p:grpSpPr>
-        <a:xfrm>
-          <a:off x="0" y="0"/>
-          <a:ext cx="0" cy="0"/>
-          <a:chOff x="0" y="0"/>
-          <a:chExt cx="0" cy="0"/>
-        </a:xfrm>
-      </p:grpSpPr>
       <p:sp>
         <p:nvSpPr>
           <p:cNvPr id="6" name="正方形/長方形 5">
@@ -5726,6 +7018,1226 @@
     <p:extLst>
       <p:ext uri="{BB962C8B-B14F-4D97-AF65-F5344CB8AC3E}">
         <p14:creationId xmlns:p14="http://schemas.microsoft.com/office/powerpoint/2010/main" val="3306106841"/>
+      </p:ext>
+    </p:extLst>
+  </p:cSld>
+  <p:clrMapOvr>
+    <a:masterClrMapping/>
+  </p:clrMapOvr>
+</p:sld>
+</file>
+
+<file path=ppt/slides/slide2.xml><?xml version="1.0" encoding="utf-8"?>
+<p:sld xmlns:a="http://schemas.openxmlformats.org/drawingml/2006/main" xmlns:r="http://schemas.openxmlformats.org/officeDocument/2006/relationships" xmlns:p="http://schemas.openxmlformats.org/presentationml/2006/main">
+  <p:cSld>
+    <p:spTree>
+      <p:nvGrpSpPr>
+        <p:cNvPr id="1" name=""/>
+        <p:cNvGrpSpPr/>
+        <p:nvPr/>
+      </p:nvGrpSpPr>
+      <p:grpSpPr>
+        <a:xfrm>
+          <a:off x="0" y="0"/>
+          <a:ext cx="0" cy="0"/>
+          <a:chOff x="0" y="0"/>
+          <a:chExt cx="0" cy="0"/>
+        </a:xfrm>
+      </p:grpSpPr>
+      <p:graphicFrame>
+        <p:nvGraphicFramePr>
+          <p:cNvPr id="2" name="グラフ 1">
+            <a:extLst>
+              <a:ext uri="{FF2B5EF4-FFF2-40B4-BE49-F238E27FC236}">
+                <a16:creationId xmlns:a16="http://schemas.microsoft.com/office/drawing/2014/main" id="{81B0BC79-09C7-6E7E-CED7-0599787F6709}"/>
+              </a:ext>
+            </a:extLst>
+          </p:cNvPr>
+          <p:cNvGraphicFramePr>
+            <a:graphicFrameLocks/>
+          </p:cNvGraphicFramePr>
+          <p:nvPr>
+            <p:extLst>
+              <p:ext uri="{D42A27DB-BD31-4B8C-83A1-F6EECF244321}">
+                <p14:modId xmlns:p14="http://schemas.microsoft.com/office/powerpoint/2010/main" val="347813585"/>
+              </p:ext>
+            </p:extLst>
+          </p:nvPr>
+        </p:nvGraphicFramePr>
+        <p:xfrm>
+          <a:off x="2128734" y="1495821"/>
+          <a:ext cx="7521575" cy="3866357"/>
+        </p:xfrm>
+        <a:graphic>
+          <a:graphicData uri="http://schemas.openxmlformats.org/drawingml/2006/chart">
+            <c:chart xmlns:c="http://schemas.openxmlformats.org/drawingml/2006/chart" xmlns:r="http://schemas.openxmlformats.org/officeDocument/2006/relationships" r:id="rId2"/>
+          </a:graphicData>
+        </a:graphic>
+      </p:graphicFrame>
+    </p:spTree>
+    <p:extLst>
+      <p:ext uri="{BB962C8B-B14F-4D97-AF65-F5344CB8AC3E}">
+        <p14:creationId xmlns:p14="http://schemas.microsoft.com/office/powerpoint/2010/main" val="1762221881"/>
+      </p:ext>
+    </p:extLst>
+  </p:cSld>
+  <p:clrMapOvr>
+    <a:masterClrMapping/>
+  </p:clrMapOvr>
+</p:sld>
+</file>
+
+<file path=ppt/slides/slide3.xml><?xml version="1.0" encoding="utf-8"?>
+<p:sld xmlns:a="http://schemas.openxmlformats.org/drawingml/2006/main" xmlns:r="http://schemas.openxmlformats.org/officeDocument/2006/relationships" xmlns:p="http://schemas.openxmlformats.org/presentationml/2006/main">
+  <p:cSld>
+    <p:spTree>
+      <p:nvGrpSpPr>
+        <p:cNvPr id="1" name=""/>
+        <p:cNvGrpSpPr/>
+        <p:nvPr/>
+      </p:nvGrpSpPr>
+      <p:grpSpPr>
+        <a:xfrm>
+          <a:off x="0" y="0"/>
+          <a:ext cx="0" cy="0"/>
+          <a:chOff x="0" y="0"/>
+          <a:chExt cx="0" cy="0"/>
+        </a:xfrm>
+      </p:grpSpPr>
+      <p:graphicFrame>
+        <p:nvGraphicFramePr>
+          <p:cNvPr id="3" name="オブジェクト 2">
+            <a:extLst>
+              <a:ext uri="{FF2B5EF4-FFF2-40B4-BE49-F238E27FC236}">
+                <a16:creationId xmlns:a16="http://schemas.microsoft.com/office/drawing/2014/main" id="{BC4AC54A-7E10-37F1-927C-3D3E5B379F7F}"/>
+              </a:ext>
+            </a:extLst>
+          </p:cNvPr>
+          <p:cNvGraphicFramePr>
+            <a:graphicFrameLocks noChangeAspect="1"/>
+          </p:cNvGraphicFramePr>
+          <p:nvPr>
+            <p:extLst>
+              <p:ext uri="{D42A27DB-BD31-4B8C-83A1-F6EECF244321}">
+                <p14:modId xmlns:p14="http://schemas.microsoft.com/office/powerpoint/2010/main" val="2188920091"/>
+              </p:ext>
+            </p:extLst>
+          </p:nvPr>
+        </p:nvGraphicFramePr>
+        <p:xfrm>
+          <a:off x="1284288" y="931863"/>
+          <a:ext cx="4730750" cy="1606550"/>
+        </p:xfrm>
+        <a:graphic>
+          <a:graphicData uri="http://schemas.openxmlformats.org/presentationml/2006/ole">
+            <mc:AlternateContent xmlns:mc="http://schemas.openxmlformats.org/markup-compatibility/2006">
+              <mc:Choice xmlns:v="urn:schemas-microsoft-com:vml" Requires="v">
+                <p:oleObj name="Worksheet" r:id="rId2" imgW="4730732" imgH="1606502" progId="Excel.Sheet.12">
+                  <p:embed/>
+                </p:oleObj>
+              </mc:Choice>
+              <mc:Fallback>
+                <p:oleObj name="Worksheet" r:id="rId2" imgW="4730732" imgH="1606502" progId="Excel.Sheet.12">
+                  <p:embed/>
+                  <p:pic>
+                    <p:nvPicPr>
+                      <p:cNvPr id="0" name=""/>
+                      <p:cNvPicPr/>
+                      <p:nvPr/>
+                    </p:nvPicPr>
+                    <p:blipFill>
+                      <a:blip r:embed="rId3"/>
+                      <a:stretch>
+                        <a:fillRect/>
+                      </a:stretch>
+                    </p:blipFill>
+                    <p:spPr>
+                      <a:xfrm>
+                        <a:off x="1284288" y="931863"/>
+                        <a:ext cx="4730750" cy="1606550"/>
+                      </a:xfrm>
+                      <a:prstGeom prst="rect">
+                        <a:avLst/>
+                      </a:prstGeom>
+                    </p:spPr>
+                  </p:pic>
+                </p:oleObj>
+              </mc:Fallback>
+            </mc:AlternateContent>
+          </a:graphicData>
+        </a:graphic>
+      </p:graphicFrame>
+    </p:spTree>
+    <p:extLst>
+      <p:ext uri="{BB962C8B-B14F-4D97-AF65-F5344CB8AC3E}">
+        <p14:creationId xmlns:p14="http://schemas.microsoft.com/office/powerpoint/2010/main" val="296665760"/>
+      </p:ext>
+    </p:extLst>
+  </p:cSld>
+  <p:clrMapOvr>
+    <a:masterClrMapping/>
+  </p:clrMapOvr>
+</p:sld>
+</file>
+
+<file path=ppt/slides/slide4.xml><?xml version="1.0" encoding="utf-8"?>
+<p:sld xmlns:a="http://schemas.openxmlformats.org/drawingml/2006/main" xmlns:r="http://schemas.openxmlformats.org/officeDocument/2006/relationships" xmlns:p="http://schemas.openxmlformats.org/presentationml/2006/main">
+  <p:cSld>
+    <p:spTree>
+      <p:nvGrpSpPr>
+        <p:cNvPr id="1" name=""/>
+        <p:cNvGrpSpPr/>
+        <p:nvPr/>
+      </p:nvGrpSpPr>
+      <p:grpSpPr>
+        <a:xfrm>
+          <a:off x="0" y="0"/>
+          <a:ext cx="0" cy="0"/>
+          <a:chOff x="0" y="0"/>
+          <a:chExt cx="0" cy="0"/>
+        </a:xfrm>
+      </p:grpSpPr>
+      <p:sp>
+        <p:nvSpPr>
+          <p:cNvPr id="66" name="正方形/長方形 65">
+            <a:extLst>
+              <a:ext uri="{FF2B5EF4-FFF2-40B4-BE49-F238E27FC236}">
+                <a16:creationId xmlns:a16="http://schemas.microsoft.com/office/drawing/2014/main" id="{5380C580-B7C3-BD73-C58A-5F440124BF07}"/>
+              </a:ext>
+            </a:extLst>
+          </p:cNvPr>
+          <p:cNvSpPr/>
+          <p:nvPr/>
+        </p:nvSpPr>
+        <p:spPr>
+          <a:xfrm>
+            <a:off x="556318" y="1625965"/>
+            <a:ext cx="10583924" cy="4441371"/>
+          </a:xfrm>
+          <a:prstGeom prst="rect">
+            <a:avLst/>
+          </a:prstGeom>
+          <a:ln>
+            <a:noFill/>
+          </a:ln>
+          <a:effectLst>
+            <a:outerShdw blurRad="50800" dist="38100" dir="2700000" algn="tl" rotWithShape="0">
+              <a:prstClr val="black">
+                <a:alpha val="40000"/>
+              </a:prstClr>
+            </a:outerShdw>
+          </a:effectLst>
+        </p:spPr>
+        <p:style>
+          <a:lnRef idx="2">
+            <a:schemeClr val="dk1"/>
+          </a:lnRef>
+          <a:fillRef idx="1">
+            <a:schemeClr val="lt1"/>
+          </a:fillRef>
+          <a:effectRef idx="0">
+            <a:schemeClr val="dk1"/>
+          </a:effectRef>
+          <a:fontRef idx="minor">
+            <a:schemeClr val="dk1"/>
+          </a:fontRef>
+        </p:style>
+        <p:txBody>
+          <a:bodyPr rtlCol="0" anchor="ctr"/>
+          <a:lstStyle/>
+          <a:p>
+            <a:pPr algn="ctr"/>
+            <a:endParaRPr kumimoji="1" lang="ja-JP" altLang="en-US"/>
+          </a:p>
+        </p:txBody>
+      </p:sp>
+      <p:sp>
+        <p:nvSpPr>
+          <p:cNvPr id="62" name="四角形: 角を丸くする 61">
+            <a:extLst>
+              <a:ext uri="{FF2B5EF4-FFF2-40B4-BE49-F238E27FC236}">
+                <a16:creationId xmlns:a16="http://schemas.microsoft.com/office/drawing/2014/main" id="{3DF9BBBB-EF35-EEC9-1147-DEE14EEDD2A8}"/>
+              </a:ext>
+            </a:extLst>
+          </p:cNvPr>
+          <p:cNvSpPr/>
+          <p:nvPr/>
+        </p:nvSpPr>
+        <p:spPr>
+          <a:xfrm>
+            <a:off x="978425" y="2165542"/>
+            <a:ext cx="1735015" cy="3681046"/>
+          </a:xfrm>
+          <a:prstGeom prst="roundRect">
+            <a:avLst>
+              <a:gd name="adj" fmla="val 14775"/>
+            </a:avLst>
+          </a:prstGeom>
+        </p:spPr>
+        <p:style>
+          <a:lnRef idx="2">
+            <a:schemeClr val="accent2"/>
+          </a:lnRef>
+          <a:fillRef idx="1">
+            <a:schemeClr val="lt1"/>
+          </a:fillRef>
+          <a:effectRef idx="0">
+            <a:schemeClr val="accent2"/>
+          </a:effectRef>
+          <a:fontRef idx="minor">
+            <a:schemeClr val="dk1"/>
+          </a:fontRef>
+        </p:style>
+        <p:txBody>
+          <a:bodyPr rtlCol="0" anchor="ctr"/>
+          <a:lstStyle/>
+          <a:p>
+            <a:pPr algn="ctr"/>
+            <a:endParaRPr kumimoji="1" lang="ja-JP" altLang="en-US"/>
+          </a:p>
+        </p:txBody>
+      </p:sp>
+      <p:sp>
+        <p:nvSpPr>
+          <p:cNvPr id="37" name="四角形: 角を丸くする 36">
+            <a:extLst>
+              <a:ext uri="{FF2B5EF4-FFF2-40B4-BE49-F238E27FC236}">
+                <a16:creationId xmlns:a16="http://schemas.microsoft.com/office/drawing/2014/main" id="{964CF38B-2BF7-146C-0492-2C24CD274F31}"/>
+              </a:ext>
+            </a:extLst>
+          </p:cNvPr>
+          <p:cNvSpPr/>
+          <p:nvPr/>
+        </p:nvSpPr>
+        <p:spPr>
+          <a:xfrm>
+            <a:off x="8689144" y="2194564"/>
+            <a:ext cx="1735015" cy="3681046"/>
+          </a:xfrm>
+          <a:prstGeom prst="roundRect">
+            <a:avLst>
+              <a:gd name="adj" fmla="val 14775"/>
+            </a:avLst>
+          </a:prstGeom>
+        </p:spPr>
+        <p:style>
+          <a:lnRef idx="2">
+            <a:schemeClr val="accent1"/>
+          </a:lnRef>
+          <a:fillRef idx="1">
+            <a:schemeClr val="lt1"/>
+          </a:fillRef>
+          <a:effectRef idx="0">
+            <a:schemeClr val="accent1"/>
+          </a:effectRef>
+          <a:fontRef idx="minor">
+            <a:schemeClr val="dk1"/>
+          </a:fontRef>
+        </p:style>
+        <p:txBody>
+          <a:bodyPr rtlCol="0" anchor="ctr"/>
+          <a:lstStyle/>
+          <a:p>
+            <a:pPr algn="ctr"/>
+            <a:endParaRPr kumimoji="1" lang="ja-JP" altLang="en-US"/>
+          </a:p>
+        </p:txBody>
+      </p:sp>
+      <p:sp>
+        <p:nvSpPr>
+          <p:cNvPr id="2" name="スマイル 1">
+            <a:extLst>
+              <a:ext uri="{FF2B5EF4-FFF2-40B4-BE49-F238E27FC236}">
+                <a16:creationId xmlns:a16="http://schemas.microsoft.com/office/drawing/2014/main" id="{832B3710-0A07-3598-C4F7-6E70171AD75F}"/>
+              </a:ext>
+            </a:extLst>
+          </p:cNvPr>
+          <p:cNvSpPr/>
+          <p:nvPr/>
+        </p:nvSpPr>
+        <p:spPr>
+          <a:xfrm>
+            <a:off x="2086980" y="1667616"/>
+            <a:ext cx="928468" cy="933157"/>
+          </a:xfrm>
+          <a:prstGeom prst="smileyFace">
+            <a:avLst/>
+          </a:prstGeom>
+        </p:spPr>
+        <p:style>
+          <a:lnRef idx="1">
+            <a:schemeClr val="accent2"/>
+          </a:lnRef>
+          <a:fillRef idx="2">
+            <a:schemeClr val="accent2"/>
+          </a:fillRef>
+          <a:effectRef idx="1">
+            <a:schemeClr val="accent2"/>
+          </a:effectRef>
+          <a:fontRef idx="minor">
+            <a:schemeClr val="dk1"/>
+          </a:fontRef>
+        </p:style>
+        <p:txBody>
+          <a:bodyPr rtlCol="0" anchor="ctr"/>
+          <a:lstStyle/>
+          <a:p>
+            <a:pPr algn="ctr"/>
+            <a:endParaRPr kumimoji="1" lang="ja-JP" altLang="en-US"/>
+          </a:p>
+        </p:txBody>
+      </p:sp>
+      <p:sp>
+        <p:nvSpPr>
+          <p:cNvPr id="6" name="スマイル 5">
+            <a:extLst>
+              <a:ext uri="{FF2B5EF4-FFF2-40B4-BE49-F238E27FC236}">
+                <a16:creationId xmlns:a16="http://schemas.microsoft.com/office/drawing/2014/main" id="{2E5F33E3-2FDA-D52F-274D-A35E1A76533B}"/>
+              </a:ext>
+            </a:extLst>
+          </p:cNvPr>
+          <p:cNvSpPr/>
+          <p:nvPr/>
+        </p:nvSpPr>
+        <p:spPr>
+          <a:xfrm>
+            <a:off x="9873175" y="1741138"/>
+            <a:ext cx="928468" cy="933157"/>
+          </a:xfrm>
+          <a:prstGeom prst="smileyFace">
+            <a:avLst/>
+          </a:prstGeom>
+        </p:spPr>
+        <p:style>
+          <a:lnRef idx="1">
+            <a:schemeClr val="accent5"/>
+          </a:lnRef>
+          <a:fillRef idx="2">
+            <a:schemeClr val="accent5"/>
+          </a:fillRef>
+          <a:effectRef idx="1">
+            <a:schemeClr val="accent5"/>
+          </a:effectRef>
+          <a:fontRef idx="minor">
+            <a:schemeClr val="dk1"/>
+          </a:fontRef>
+        </p:style>
+        <p:txBody>
+          <a:bodyPr rtlCol="0" anchor="ctr"/>
+          <a:lstStyle/>
+          <a:p>
+            <a:pPr algn="ctr"/>
+            <a:endParaRPr kumimoji="1" lang="ja-JP" altLang="en-US"/>
+          </a:p>
+        </p:txBody>
+      </p:sp>
+      <p:sp>
+        <p:nvSpPr>
+          <p:cNvPr id="7" name="テキスト ボックス 6">
+            <a:extLst>
+              <a:ext uri="{FF2B5EF4-FFF2-40B4-BE49-F238E27FC236}">
+                <a16:creationId xmlns:a16="http://schemas.microsoft.com/office/drawing/2014/main" id="{890658AB-B70D-2BE8-3D76-4A4CE42805A6}"/>
+              </a:ext>
+            </a:extLst>
+          </p:cNvPr>
+          <p:cNvSpPr txBox="1"/>
+          <p:nvPr/>
+        </p:nvSpPr>
+        <p:spPr>
+          <a:xfrm>
+            <a:off x="460261" y="1762691"/>
+            <a:ext cx="1860191" cy="307777"/>
+          </a:xfrm>
+          <a:prstGeom prst="rect">
+            <a:avLst/>
+          </a:prstGeom>
+          <a:noFill/>
+        </p:spPr>
+        <p:txBody>
+          <a:bodyPr wrap="square" rtlCol="0">
+            <a:spAutoFit/>
+          </a:bodyPr>
+          <a:lstStyle/>
+          <a:p>
+            <a:pPr algn="ctr"/>
+            <a:r>
+              <a:rPr lang="ja-JP" altLang="en-US" sz="1400" dirty="0"/>
+              <a:t>エンドユーザー</a:t>
+            </a:r>
+            <a:endParaRPr kumimoji="1" lang="ja-JP" altLang="en-US" sz="1400" dirty="0"/>
+          </a:p>
+        </p:txBody>
+      </p:sp>
+      <p:sp>
+        <p:nvSpPr>
+          <p:cNvPr id="9" name="テキスト ボックス 8">
+            <a:extLst>
+              <a:ext uri="{FF2B5EF4-FFF2-40B4-BE49-F238E27FC236}">
+                <a16:creationId xmlns:a16="http://schemas.microsoft.com/office/drawing/2014/main" id="{50981FE4-C1E4-9774-666D-A6E34BB1573C}"/>
+              </a:ext>
+            </a:extLst>
+          </p:cNvPr>
+          <p:cNvSpPr txBox="1"/>
+          <p:nvPr/>
+        </p:nvSpPr>
+        <p:spPr>
+          <a:xfrm>
+            <a:off x="3947698" y="1758557"/>
+            <a:ext cx="2046210" cy="523220"/>
+          </a:xfrm>
+          <a:prstGeom prst="rect">
+            <a:avLst/>
+          </a:prstGeom>
+          <a:noFill/>
+        </p:spPr>
+        <p:txBody>
+          <a:bodyPr wrap="square" rtlCol="0">
+            <a:spAutoFit/>
+          </a:bodyPr>
+          <a:lstStyle/>
+          <a:p>
+            <a:pPr algn="ctr"/>
+            <a:r>
+              <a:rPr kumimoji="1" lang="ja-JP" altLang="en-US" sz="1400" dirty="0"/>
+              <a:t>サービスプロバイダー</a:t>
+            </a:r>
+          </a:p>
+        </p:txBody>
+      </p:sp>
+      <p:sp>
+        <p:nvSpPr>
+          <p:cNvPr id="11" name="テキスト ボックス 10">
+            <a:extLst>
+              <a:ext uri="{FF2B5EF4-FFF2-40B4-BE49-F238E27FC236}">
+                <a16:creationId xmlns:a16="http://schemas.microsoft.com/office/drawing/2014/main" id="{BBC26714-D031-3B83-D50F-A498209D7D7C}"/>
+              </a:ext>
+            </a:extLst>
+          </p:cNvPr>
+          <p:cNvSpPr txBox="1"/>
+          <p:nvPr/>
+        </p:nvSpPr>
+        <p:spPr>
+          <a:xfrm>
+            <a:off x="7807565" y="1650835"/>
+            <a:ext cx="2250831" cy="738664"/>
+          </a:xfrm>
+          <a:prstGeom prst="rect">
+            <a:avLst/>
+          </a:prstGeom>
+          <a:noFill/>
+        </p:spPr>
+        <p:txBody>
+          <a:bodyPr wrap="square" rtlCol="0">
+            <a:spAutoFit/>
+          </a:bodyPr>
+          <a:lstStyle/>
+          <a:p>
+            <a:pPr algn="ctr"/>
+            <a:r>
+              <a:rPr kumimoji="1" lang="ja-JP" altLang="en-US" sz="1400" dirty="0"/>
+              <a:t>クラウドプロバイダー</a:t>
+            </a:r>
+            <a:endParaRPr kumimoji="1" lang="en-US" altLang="ja-JP" sz="1400" dirty="0"/>
+          </a:p>
+          <a:p>
+            <a:pPr algn="ctr"/>
+            <a:r>
+              <a:rPr kumimoji="1" lang="ja-JP" altLang="en-US" sz="1400" dirty="0"/>
+              <a:t>（</a:t>
+            </a:r>
+            <a:r>
+              <a:rPr kumimoji="1" lang="en-US" altLang="ja-JP" sz="1400" dirty="0"/>
+              <a:t>Microsoft or Partner </a:t>
+            </a:r>
+            <a:r>
+              <a:rPr kumimoji="1" lang="ja-JP" altLang="en-US" sz="1400" dirty="0"/>
+              <a:t>）</a:t>
+            </a:r>
+          </a:p>
+        </p:txBody>
+      </p:sp>
+      <p:sp>
+        <p:nvSpPr>
+          <p:cNvPr id="15" name="四角形: 角を丸くする 14">
+            <a:extLst>
+              <a:ext uri="{FF2B5EF4-FFF2-40B4-BE49-F238E27FC236}">
+                <a16:creationId xmlns:a16="http://schemas.microsoft.com/office/drawing/2014/main" id="{ABF4D799-0166-118C-ED22-51E55374E993}"/>
+              </a:ext>
+            </a:extLst>
+          </p:cNvPr>
+          <p:cNvSpPr/>
+          <p:nvPr/>
+        </p:nvSpPr>
+        <p:spPr>
+          <a:xfrm>
+            <a:off x="4738466" y="2194564"/>
+            <a:ext cx="1735015" cy="3681046"/>
+          </a:xfrm>
+          <a:prstGeom prst="roundRect">
+            <a:avLst>
+              <a:gd name="adj" fmla="val 14775"/>
+            </a:avLst>
+          </a:prstGeom>
+        </p:spPr>
+        <p:style>
+          <a:lnRef idx="2">
+            <a:schemeClr val="accent6"/>
+          </a:lnRef>
+          <a:fillRef idx="1">
+            <a:schemeClr val="lt1"/>
+          </a:fillRef>
+          <a:effectRef idx="0">
+            <a:schemeClr val="accent6"/>
+          </a:effectRef>
+          <a:fontRef idx="minor">
+            <a:schemeClr val="dk1"/>
+          </a:fontRef>
+        </p:style>
+        <p:txBody>
+          <a:bodyPr rtlCol="0" anchor="ctr"/>
+          <a:lstStyle/>
+          <a:p>
+            <a:pPr algn="ctr"/>
+            <a:endParaRPr kumimoji="1" lang="ja-JP" altLang="en-US"/>
+          </a:p>
+        </p:txBody>
+      </p:sp>
+      <p:pic>
+        <p:nvPicPr>
+          <p:cNvPr id="17" name="グラフィックス 16">
+            <a:extLst>
+              <a:ext uri="{FF2B5EF4-FFF2-40B4-BE49-F238E27FC236}">
+                <a16:creationId xmlns:a16="http://schemas.microsoft.com/office/drawing/2014/main" id="{B6C83CB7-9202-BFB5-7AEB-5FF528C5075B}"/>
+              </a:ext>
+            </a:extLst>
+          </p:cNvPr>
+          <p:cNvPicPr>
+            <a:picLocks noChangeAspect="1"/>
+          </p:cNvPicPr>
+          <p:nvPr/>
+        </p:nvPicPr>
+        <p:blipFill>
+          <a:blip r:embed="rId2">
+            <a:extLst>
+              <a:ext uri="{96DAC541-7B7A-43D3-8B79-37D633B846F1}">
+                <asvg:svgBlip xmlns:asvg="http://schemas.microsoft.com/office/drawing/2016/SVG/main" r:embed="rId3"/>
+              </a:ext>
+            </a:extLst>
+          </a:blip>
+          <a:stretch>
+            <a:fillRect/>
+          </a:stretch>
+        </p:blipFill>
+        <p:spPr>
+          <a:xfrm>
+            <a:off x="8932981" y="2598221"/>
+            <a:ext cx="592931" cy="592931"/>
+          </a:xfrm>
+          <a:prstGeom prst="rect">
+            <a:avLst/>
+          </a:prstGeom>
+        </p:spPr>
+      </p:pic>
+      <p:pic>
+        <p:nvPicPr>
+          <p:cNvPr id="27" name="グラフィックス 26">
+            <a:extLst>
+              <a:ext uri="{FF2B5EF4-FFF2-40B4-BE49-F238E27FC236}">
+                <a16:creationId xmlns:a16="http://schemas.microsoft.com/office/drawing/2014/main" id="{4B193998-B50E-CAE1-7C0C-2DDF3EE54336}"/>
+              </a:ext>
+            </a:extLst>
+          </p:cNvPr>
+          <p:cNvPicPr>
+            <a:picLocks noChangeAspect="1"/>
+          </p:cNvPicPr>
+          <p:nvPr/>
+        </p:nvPicPr>
+        <p:blipFill>
+          <a:blip r:embed="rId4">
+            <a:extLst>
+              <a:ext uri="{96DAC541-7B7A-43D3-8B79-37D633B846F1}">
+                <asvg:svgBlip xmlns:asvg="http://schemas.microsoft.com/office/drawing/2016/SVG/main" r:embed="rId5"/>
+              </a:ext>
+            </a:extLst>
+          </a:blip>
+          <a:stretch>
+            <a:fillRect/>
+          </a:stretch>
+        </p:blipFill>
+        <p:spPr>
+          <a:xfrm>
+            <a:off x="8949649" y="4267334"/>
+            <a:ext cx="576263" cy="576263"/>
+          </a:xfrm>
+          <a:prstGeom prst="rect">
+            <a:avLst/>
+          </a:prstGeom>
+        </p:spPr>
+      </p:pic>
+      <p:pic>
+        <p:nvPicPr>
+          <p:cNvPr id="29" name="図 28">
+            <a:extLst>
+              <a:ext uri="{FF2B5EF4-FFF2-40B4-BE49-F238E27FC236}">
+                <a16:creationId xmlns:a16="http://schemas.microsoft.com/office/drawing/2014/main" id="{BC720E6E-BB37-E298-E37A-B706782B2E73}"/>
+              </a:ext>
+            </a:extLst>
+          </p:cNvPr>
+          <p:cNvPicPr>
+            <a:picLocks noChangeAspect="1"/>
+          </p:cNvPicPr>
+          <p:nvPr/>
+        </p:nvPicPr>
+        <p:blipFill>
+          <a:blip r:embed="rId6"/>
+          <a:stretch>
+            <a:fillRect/>
+          </a:stretch>
+        </p:blipFill>
+        <p:spPr>
+          <a:xfrm>
+            <a:off x="9525912" y="3436121"/>
+            <a:ext cx="586244" cy="586244"/>
+          </a:xfrm>
+          <a:prstGeom prst="rect">
+            <a:avLst/>
+          </a:prstGeom>
+        </p:spPr>
+      </p:pic>
+      <p:pic>
+        <p:nvPicPr>
+          <p:cNvPr id="35" name="図 34" descr="アイコン&#10;&#10;自動的に生成された説明">
+            <a:extLst>
+              <a:ext uri="{FF2B5EF4-FFF2-40B4-BE49-F238E27FC236}">
+                <a16:creationId xmlns:a16="http://schemas.microsoft.com/office/drawing/2014/main" id="{022B86FC-5A61-7A27-1473-A566B108FB8E}"/>
+              </a:ext>
+            </a:extLst>
+          </p:cNvPr>
+          <p:cNvPicPr>
+            <a:picLocks noChangeAspect="1"/>
+          </p:cNvPicPr>
+          <p:nvPr/>
+        </p:nvPicPr>
+        <p:blipFill>
+          <a:blip r:embed="rId7"/>
+          <a:stretch>
+            <a:fillRect/>
+          </a:stretch>
+        </p:blipFill>
+        <p:spPr>
+          <a:xfrm>
+            <a:off x="9428889" y="5088567"/>
+            <a:ext cx="780290" cy="780290"/>
+          </a:xfrm>
+          <a:prstGeom prst="rect">
+            <a:avLst/>
+          </a:prstGeom>
+        </p:spPr>
+      </p:pic>
+      <p:sp>
+        <p:nvSpPr>
+          <p:cNvPr id="14" name="矢印: 左右 13">
+            <a:extLst>
+              <a:ext uri="{FF2B5EF4-FFF2-40B4-BE49-F238E27FC236}">
+                <a16:creationId xmlns:a16="http://schemas.microsoft.com/office/drawing/2014/main" id="{1A30275C-A61D-667F-9C32-99D864C5C97B}"/>
+              </a:ext>
+            </a:extLst>
+          </p:cNvPr>
+          <p:cNvSpPr/>
+          <p:nvPr/>
+        </p:nvSpPr>
+        <p:spPr>
+          <a:xfrm>
+            <a:off x="2532229" y="3523341"/>
+            <a:ext cx="2302413" cy="774784"/>
+          </a:xfrm>
+          <a:prstGeom prst="leftRightArrow">
+            <a:avLst/>
+          </a:prstGeom>
+        </p:spPr>
+        <p:style>
+          <a:lnRef idx="1">
+            <a:schemeClr val="accent6"/>
+          </a:lnRef>
+          <a:fillRef idx="2">
+            <a:schemeClr val="accent6"/>
+          </a:fillRef>
+          <a:effectRef idx="1">
+            <a:schemeClr val="accent6"/>
+          </a:effectRef>
+          <a:fontRef idx="minor">
+            <a:schemeClr val="dk1"/>
+          </a:fontRef>
+        </p:style>
+        <p:txBody>
+          <a:bodyPr rtlCol="0" anchor="ctr"/>
+          <a:lstStyle/>
+          <a:p>
+            <a:pPr algn="ctr"/>
+            <a:r>
+              <a:rPr kumimoji="1" lang="ja-JP" altLang="en-US" sz="1400" dirty="0"/>
+              <a:t>カスタムサービスの</a:t>
+            </a:r>
+            <a:br>
+              <a:rPr kumimoji="1" lang="en-US" altLang="ja-JP" sz="1400" dirty="0"/>
+            </a:br>
+            <a:r>
+              <a:rPr kumimoji="1" lang="en-US" altLang="ja-JP" sz="1400" dirty="0"/>
+              <a:t>SLA</a:t>
+            </a:r>
+            <a:endParaRPr kumimoji="1" lang="ja-JP" altLang="en-US" sz="1400" dirty="0"/>
+          </a:p>
+        </p:txBody>
+      </p:sp>
+      <p:sp>
+        <p:nvSpPr>
+          <p:cNvPr id="41" name="矢印: 左右 40">
+            <a:extLst>
+              <a:ext uri="{FF2B5EF4-FFF2-40B4-BE49-F238E27FC236}">
+                <a16:creationId xmlns:a16="http://schemas.microsoft.com/office/drawing/2014/main" id="{4E770EEF-E886-2251-EC3A-5E161EAF8210}"/>
+              </a:ext>
+            </a:extLst>
+          </p:cNvPr>
+          <p:cNvSpPr/>
+          <p:nvPr/>
+        </p:nvSpPr>
+        <p:spPr>
+          <a:xfrm>
+            <a:off x="6337479" y="4851135"/>
+            <a:ext cx="2532654" cy="774784"/>
+          </a:xfrm>
+          <a:prstGeom prst="leftRightArrow">
+            <a:avLst/>
+          </a:prstGeom>
+        </p:spPr>
+        <p:style>
+          <a:lnRef idx="1">
+            <a:schemeClr val="accent5"/>
+          </a:lnRef>
+          <a:fillRef idx="2">
+            <a:schemeClr val="accent5"/>
+          </a:fillRef>
+          <a:effectRef idx="1">
+            <a:schemeClr val="accent5"/>
+          </a:effectRef>
+          <a:fontRef idx="minor">
+            <a:schemeClr val="dk1"/>
+          </a:fontRef>
+        </p:style>
+        <p:txBody>
+          <a:bodyPr rtlCol="0" anchor="ctr"/>
+          <a:lstStyle/>
+          <a:p>
+            <a:pPr algn="ctr"/>
+            <a:endParaRPr kumimoji="1" lang="ja-JP" altLang="en-US" sz="1400" dirty="0"/>
+          </a:p>
+        </p:txBody>
+      </p:sp>
+      <p:sp>
+        <p:nvSpPr>
+          <p:cNvPr id="45" name="テキスト ボックス 44">
+            <a:extLst>
+              <a:ext uri="{FF2B5EF4-FFF2-40B4-BE49-F238E27FC236}">
+                <a16:creationId xmlns:a16="http://schemas.microsoft.com/office/drawing/2014/main" id="{595306E4-F679-CACF-8656-9B038D89EE51}"/>
+              </a:ext>
+            </a:extLst>
+          </p:cNvPr>
+          <p:cNvSpPr txBox="1"/>
+          <p:nvPr/>
+        </p:nvSpPr>
+        <p:spPr>
+          <a:xfrm>
+            <a:off x="6593460" y="5482729"/>
+            <a:ext cx="2046210" cy="633096"/>
+          </a:xfrm>
+          <a:prstGeom prst="rect">
+            <a:avLst/>
+          </a:prstGeom>
+          <a:noFill/>
+        </p:spPr>
+        <p:txBody>
+          <a:bodyPr wrap="square" rtlCol="0">
+            <a:spAutoFit/>
+          </a:bodyPr>
+          <a:lstStyle/>
+          <a:p>
+            <a:pPr algn="ctr"/>
+            <a:r>
+              <a:rPr kumimoji="1" lang="ja-JP" altLang="en-US" sz="1400" dirty="0"/>
+              <a:t>利用したサービスの</a:t>
+            </a:r>
+            <a:r>
+              <a:rPr kumimoji="1" lang="en-US" altLang="ja-JP" sz="1400" dirty="0"/>
+              <a:t>SLA</a:t>
+            </a:r>
+            <a:endParaRPr kumimoji="1" lang="ja-JP" altLang="en-US" sz="1400" dirty="0"/>
+          </a:p>
+        </p:txBody>
+      </p:sp>
+      <p:sp>
+        <p:nvSpPr>
+          <p:cNvPr id="46" name="スマイル 45">
+            <a:extLst>
+              <a:ext uri="{FF2B5EF4-FFF2-40B4-BE49-F238E27FC236}">
+                <a16:creationId xmlns:a16="http://schemas.microsoft.com/office/drawing/2014/main" id="{0E105435-2A00-8B8F-5E3B-BACA3E439001}"/>
+              </a:ext>
+            </a:extLst>
+          </p:cNvPr>
+          <p:cNvSpPr/>
+          <p:nvPr/>
+        </p:nvSpPr>
+        <p:spPr>
+          <a:xfrm>
+            <a:off x="5848280" y="1671689"/>
+            <a:ext cx="928468" cy="933157"/>
+          </a:xfrm>
+          <a:prstGeom prst="smileyFace">
+            <a:avLst/>
+          </a:prstGeom>
+        </p:spPr>
+        <p:style>
+          <a:lnRef idx="1">
+            <a:schemeClr val="accent6"/>
+          </a:lnRef>
+          <a:fillRef idx="2">
+            <a:schemeClr val="accent6"/>
+          </a:fillRef>
+          <a:effectRef idx="1">
+            <a:schemeClr val="accent6"/>
+          </a:effectRef>
+          <a:fontRef idx="minor">
+            <a:schemeClr val="dk1"/>
+          </a:fontRef>
+        </p:style>
+        <p:txBody>
+          <a:bodyPr rtlCol="0" anchor="ctr"/>
+          <a:lstStyle/>
+          <a:p>
+            <a:pPr algn="ctr"/>
+            <a:endParaRPr kumimoji="1" lang="ja-JP" altLang="en-US"/>
+          </a:p>
+        </p:txBody>
+      </p:sp>
+      <p:pic>
+        <p:nvPicPr>
+          <p:cNvPr id="48" name="グラフィックス 47">
+            <a:extLst>
+              <a:ext uri="{FF2B5EF4-FFF2-40B4-BE49-F238E27FC236}">
+                <a16:creationId xmlns:a16="http://schemas.microsoft.com/office/drawing/2014/main" id="{7B1B63BE-D2E1-8CDC-5C6E-842FA509C71C}"/>
+              </a:ext>
+            </a:extLst>
+          </p:cNvPr>
+          <p:cNvPicPr>
+            <a:picLocks noChangeAspect="1"/>
+          </p:cNvPicPr>
+          <p:nvPr/>
+        </p:nvPicPr>
+        <p:blipFill>
+          <a:blip r:embed="rId4">
+            <a:extLst>
+              <a:ext uri="{96DAC541-7B7A-43D3-8B79-37D633B846F1}">
+                <asvg:svgBlip xmlns:asvg="http://schemas.microsoft.com/office/drawing/2016/SVG/main" r:embed="rId5"/>
+              </a:ext>
+            </a:extLst>
+          </a:blip>
+          <a:stretch>
+            <a:fillRect/>
+          </a:stretch>
+        </p:blipFill>
+        <p:spPr>
+          <a:xfrm>
+            <a:off x="5031068" y="5097228"/>
+            <a:ext cx="432955" cy="432955"/>
+          </a:xfrm>
+          <a:prstGeom prst="rect">
+            <a:avLst/>
+          </a:prstGeom>
+        </p:spPr>
+      </p:pic>
+      <p:pic>
+        <p:nvPicPr>
+          <p:cNvPr id="50" name="グラフィックス 49">
+            <a:extLst>
+              <a:ext uri="{FF2B5EF4-FFF2-40B4-BE49-F238E27FC236}">
+                <a16:creationId xmlns:a16="http://schemas.microsoft.com/office/drawing/2014/main" id="{D714845D-230D-5000-F499-D078D740EBF6}"/>
+              </a:ext>
+            </a:extLst>
+          </p:cNvPr>
+          <p:cNvPicPr>
+            <a:picLocks noChangeAspect="1"/>
+          </p:cNvPicPr>
+          <p:nvPr/>
+        </p:nvPicPr>
+        <p:blipFill>
+          <a:blip r:embed="rId2">
+            <a:extLst>
+              <a:ext uri="{96DAC541-7B7A-43D3-8B79-37D633B846F1}">
+                <asvg:svgBlip xmlns:asvg="http://schemas.microsoft.com/office/drawing/2016/SVG/main" r:embed="rId3"/>
+              </a:ext>
+            </a:extLst>
+          </a:blip>
+          <a:stretch>
+            <a:fillRect/>
+          </a:stretch>
+        </p:blipFill>
+        <p:spPr>
+          <a:xfrm>
+            <a:off x="5758935" y="5052096"/>
+            <a:ext cx="445477" cy="445477"/>
+          </a:xfrm>
+          <a:prstGeom prst="rect">
+            <a:avLst/>
+          </a:prstGeom>
+        </p:spPr>
+      </p:pic>
+      <p:sp>
+        <p:nvSpPr>
+          <p:cNvPr id="51" name="四角形: 角を丸くする 50">
+            <a:extLst>
+              <a:ext uri="{FF2B5EF4-FFF2-40B4-BE49-F238E27FC236}">
+                <a16:creationId xmlns:a16="http://schemas.microsoft.com/office/drawing/2014/main" id="{1C625480-BB0D-F3AB-81AB-1E30707CF882}"/>
+              </a:ext>
+            </a:extLst>
+          </p:cNvPr>
+          <p:cNvSpPr/>
+          <p:nvPr/>
+        </p:nvSpPr>
+        <p:spPr>
+          <a:xfrm>
+            <a:off x="4894559" y="4471313"/>
+            <a:ext cx="1444284" cy="428073"/>
+          </a:xfrm>
+          <a:prstGeom prst="roundRect">
+            <a:avLst/>
+          </a:prstGeom>
+        </p:spPr>
+        <p:style>
+          <a:lnRef idx="1">
+            <a:schemeClr val="accent6"/>
+          </a:lnRef>
+          <a:fillRef idx="2">
+            <a:schemeClr val="accent6"/>
+          </a:fillRef>
+          <a:effectRef idx="1">
+            <a:schemeClr val="accent6"/>
+          </a:effectRef>
+          <a:fontRef idx="minor">
+            <a:schemeClr val="dk1"/>
+          </a:fontRef>
+        </p:style>
+        <p:txBody>
+          <a:bodyPr rtlCol="0" anchor="ctr"/>
+          <a:lstStyle/>
+          <a:p>
+            <a:pPr algn="ctr"/>
+            <a:r>
+              <a:rPr kumimoji="1" lang="en-US" altLang="ja-JP" sz="1400" dirty="0"/>
+              <a:t>Config</a:t>
+            </a:r>
+            <a:endParaRPr kumimoji="1" lang="ja-JP" altLang="en-US" sz="1400" dirty="0"/>
+          </a:p>
+        </p:txBody>
+      </p:sp>
+      <p:sp>
+        <p:nvSpPr>
+          <p:cNvPr id="53" name="四角形: 角を丸くする 52">
+            <a:extLst>
+              <a:ext uri="{FF2B5EF4-FFF2-40B4-BE49-F238E27FC236}">
+                <a16:creationId xmlns:a16="http://schemas.microsoft.com/office/drawing/2014/main" id="{3C4ED200-F960-7F47-340F-F596734B52D6}"/>
+              </a:ext>
+            </a:extLst>
+          </p:cNvPr>
+          <p:cNvSpPr/>
+          <p:nvPr/>
+        </p:nvSpPr>
+        <p:spPr>
+          <a:xfrm>
+            <a:off x="4894559" y="3944946"/>
+            <a:ext cx="1444284" cy="428073"/>
+          </a:xfrm>
+          <a:prstGeom prst="roundRect">
+            <a:avLst/>
+          </a:prstGeom>
+        </p:spPr>
+        <p:style>
+          <a:lnRef idx="1">
+            <a:schemeClr val="accent6"/>
+          </a:lnRef>
+          <a:fillRef idx="2">
+            <a:schemeClr val="accent6"/>
+          </a:fillRef>
+          <a:effectRef idx="1">
+            <a:schemeClr val="accent6"/>
+          </a:effectRef>
+          <a:fontRef idx="minor">
+            <a:schemeClr val="dk1"/>
+          </a:fontRef>
+        </p:style>
+        <p:txBody>
+          <a:bodyPr rtlCol="0" anchor="ctr"/>
+          <a:lstStyle/>
+          <a:p>
+            <a:pPr algn="ctr"/>
+            <a:r>
+              <a:rPr kumimoji="1" lang="en-US" altLang="ja-JP" sz="1400" dirty="0"/>
+              <a:t>App</a:t>
+            </a:r>
+            <a:endParaRPr kumimoji="1" lang="ja-JP" altLang="en-US" sz="1400" dirty="0"/>
+          </a:p>
+        </p:txBody>
+      </p:sp>
+      <p:sp>
+        <p:nvSpPr>
+          <p:cNvPr id="58" name="四角形: 角を丸くする 57">
+            <a:extLst>
+              <a:ext uri="{FF2B5EF4-FFF2-40B4-BE49-F238E27FC236}">
+                <a16:creationId xmlns:a16="http://schemas.microsoft.com/office/drawing/2014/main" id="{0CE29871-2B6E-CD6A-0142-3B0B17D17AC3}"/>
+              </a:ext>
+            </a:extLst>
+          </p:cNvPr>
+          <p:cNvSpPr/>
+          <p:nvPr/>
+        </p:nvSpPr>
+        <p:spPr>
+          <a:xfrm>
+            <a:off x="4894559" y="3418578"/>
+            <a:ext cx="1444284" cy="428073"/>
+          </a:xfrm>
+          <a:prstGeom prst="roundRect">
+            <a:avLst/>
+          </a:prstGeom>
+        </p:spPr>
+        <p:style>
+          <a:lnRef idx="1">
+            <a:schemeClr val="accent6"/>
+          </a:lnRef>
+          <a:fillRef idx="2">
+            <a:schemeClr val="accent6"/>
+          </a:fillRef>
+          <a:effectRef idx="1">
+            <a:schemeClr val="accent6"/>
+          </a:effectRef>
+          <a:fontRef idx="minor">
+            <a:schemeClr val="dk1"/>
+          </a:fontRef>
+        </p:style>
+        <p:txBody>
+          <a:bodyPr rtlCol="0" anchor="ctr"/>
+          <a:lstStyle/>
+          <a:p>
+            <a:pPr algn="ctr"/>
+            <a:r>
+              <a:rPr kumimoji="1" lang="en-US" altLang="ja-JP" sz="1400" dirty="0"/>
+              <a:t>Data</a:t>
+            </a:r>
+            <a:endParaRPr kumimoji="1" lang="ja-JP" altLang="en-US" sz="1400" dirty="0"/>
+          </a:p>
+        </p:txBody>
+      </p:sp>
+      <p:sp>
+        <p:nvSpPr>
+          <p:cNvPr id="60" name="四角形: 角を丸くする 59">
+            <a:extLst>
+              <a:ext uri="{FF2B5EF4-FFF2-40B4-BE49-F238E27FC236}">
+                <a16:creationId xmlns:a16="http://schemas.microsoft.com/office/drawing/2014/main" id="{AA9BAC30-7E16-DD86-18C5-79BD927421DC}"/>
+              </a:ext>
+            </a:extLst>
+          </p:cNvPr>
+          <p:cNvSpPr/>
+          <p:nvPr/>
+        </p:nvSpPr>
+        <p:spPr>
+          <a:xfrm>
+            <a:off x="4894559" y="2892210"/>
+            <a:ext cx="1444284" cy="428073"/>
+          </a:xfrm>
+          <a:prstGeom prst="roundRect">
+            <a:avLst/>
+          </a:prstGeom>
+        </p:spPr>
+        <p:style>
+          <a:lnRef idx="1">
+            <a:schemeClr val="accent6"/>
+          </a:lnRef>
+          <a:fillRef idx="2">
+            <a:schemeClr val="accent6"/>
+          </a:fillRef>
+          <a:effectRef idx="1">
+            <a:schemeClr val="accent6"/>
+          </a:effectRef>
+          <a:fontRef idx="minor">
+            <a:schemeClr val="dk1"/>
+          </a:fontRef>
+        </p:style>
+        <p:txBody>
+          <a:bodyPr rtlCol="0" anchor="ctr"/>
+          <a:lstStyle/>
+          <a:p>
+            <a:pPr algn="ctr"/>
+            <a:r>
+              <a:rPr kumimoji="1" lang="en-US" altLang="ja-JP" sz="1400" dirty="0" err="1"/>
+              <a:t>Etc</a:t>
+            </a:r>
+            <a:r>
+              <a:rPr kumimoji="1" lang="en-US" altLang="ja-JP" sz="1400" dirty="0"/>
+              <a:t>…</a:t>
+            </a:r>
+            <a:endParaRPr kumimoji="1" lang="ja-JP" altLang="en-US" sz="1400" dirty="0"/>
+          </a:p>
+        </p:txBody>
+      </p:sp>
+      <p:sp>
+        <p:nvSpPr>
+          <p:cNvPr id="64" name="四角形: 角を丸くする 63">
+            <a:extLst>
+              <a:ext uri="{FF2B5EF4-FFF2-40B4-BE49-F238E27FC236}">
+                <a16:creationId xmlns:a16="http://schemas.microsoft.com/office/drawing/2014/main" id="{6E1FAC46-D56E-8A60-FDD3-5C59C2162F8D}"/>
+              </a:ext>
+            </a:extLst>
+          </p:cNvPr>
+          <p:cNvSpPr/>
+          <p:nvPr/>
+        </p:nvSpPr>
+        <p:spPr>
+          <a:xfrm>
+            <a:off x="1106317" y="3696696"/>
+            <a:ext cx="1444284" cy="428073"/>
+          </a:xfrm>
+          <a:prstGeom prst="roundRect">
+            <a:avLst/>
+          </a:prstGeom>
+        </p:spPr>
+        <p:style>
+          <a:lnRef idx="1">
+            <a:schemeClr val="accent2"/>
+          </a:lnRef>
+          <a:fillRef idx="2">
+            <a:schemeClr val="accent2"/>
+          </a:fillRef>
+          <a:effectRef idx="1">
+            <a:schemeClr val="accent2"/>
+          </a:effectRef>
+          <a:fontRef idx="minor">
+            <a:schemeClr val="dk1"/>
+          </a:fontRef>
+        </p:style>
+        <p:txBody>
+          <a:bodyPr rtlCol="0" anchor="ctr"/>
+          <a:lstStyle/>
+          <a:p>
+            <a:pPr algn="ctr"/>
+            <a:r>
+              <a:rPr kumimoji="1" lang="en-US" altLang="ja-JP" sz="1400" dirty="0"/>
+              <a:t>Business</a:t>
+            </a:r>
+            <a:endParaRPr kumimoji="1" lang="ja-JP" altLang="en-US" sz="1400" dirty="0"/>
+          </a:p>
+        </p:txBody>
+      </p:sp>
+    </p:spTree>
+    <p:extLst>
+      <p:ext uri="{BB962C8B-B14F-4D97-AF65-F5344CB8AC3E}">
+        <p14:creationId xmlns:p14="http://schemas.microsoft.com/office/powerpoint/2010/main" val="2347475084"/>
       </p:ext>
     </p:extLst>
   </p:cSld>

--- a/reliability-of-azure-based-services/images/figures.pptx
+++ b/reliability-of-azure-based-services/images/figures.pptx
@@ -5,13 +5,14 @@
     <p:sldMasterId id="2147483648" r:id="rId1"/>
   </p:sldMasterIdLst>
   <p:notesMasterIdLst>
-    <p:notesMasterId r:id="rId6"/>
+    <p:notesMasterId r:id="rId7"/>
   </p:notesMasterIdLst>
   <p:sldIdLst>
     <p:sldId id="9777" r:id="rId2"/>
     <p:sldId id="9778" r:id="rId3"/>
     <p:sldId id="9779" r:id="rId4"/>
     <p:sldId id="9780" r:id="rId5"/>
+    <p:sldId id="9781" r:id="rId6"/>
   </p:sldIdLst>
   <p:sldSz cx="12192000" cy="6858000"/>
   <p:notesSz cx="6858000" cy="9144000"/>
@@ -8247,6 +8248,158 @@
 </p:sld>
 </file>
 
+<file path=ppt/slides/slide5.xml><?xml version="1.0" encoding="utf-8"?>
+<p:sld xmlns:a="http://schemas.openxmlformats.org/drawingml/2006/main" xmlns:r="http://schemas.openxmlformats.org/officeDocument/2006/relationships" xmlns:p="http://schemas.openxmlformats.org/presentationml/2006/main">
+  <p:cSld>
+    <p:spTree>
+      <p:nvGrpSpPr>
+        <p:cNvPr id="1" name=""/>
+        <p:cNvGrpSpPr/>
+        <p:nvPr/>
+      </p:nvGrpSpPr>
+      <p:grpSpPr>
+        <a:xfrm>
+          <a:off x="0" y="0"/>
+          <a:ext cx="0" cy="0"/>
+          <a:chOff x="0" y="0"/>
+          <a:chExt cx="0" cy="0"/>
+        </a:xfrm>
+      </p:grpSpPr>
+      <p:pic>
+        <p:nvPicPr>
+          <p:cNvPr id="3" name="図 2">
+            <a:extLst>
+              <a:ext uri="{FF2B5EF4-FFF2-40B4-BE49-F238E27FC236}">
+                <a16:creationId xmlns:a16="http://schemas.microsoft.com/office/drawing/2014/main" id="{67412B57-478B-2AE2-4B35-2C9E01BBC703}"/>
+              </a:ext>
+            </a:extLst>
+          </p:cNvPr>
+          <p:cNvPicPr>
+            <a:picLocks noChangeAspect="1"/>
+          </p:cNvPicPr>
+          <p:nvPr/>
+        </p:nvPicPr>
+        <p:blipFill>
+          <a:blip r:embed="rId2"/>
+          <a:stretch>
+            <a:fillRect/>
+          </a:stretch>
+        </p:blipFill>
+        <p:spPr>
+          <a:xfrm>
+            <a:off x="769991" y="209497"/>
+            <a:ext cx="7130727" cy="6234545"/>
+          </a:xfrm>
+          <a:prstGeom prst="rect">
+            <a:avLst/>
+          </a:prstGeom>
+          <a:ln>
+            <a:noFill/>
+          </a:ln>
+          <a:effectLst>
+            <a:outerShdw blurRad="292100" dist="139700" dir="2700000" algn="tl" rotWithShape="0">
+              <a:srgbClr val="333333">
+                <a:alpha val="65000"/>
+              </a:srgbClr>
+            </a:outerShdw>
+          </a:effectLst>
+        </p:spPr>
+      </p:pic>
+      <p:sp>
+        <p:nvSpPr>
+          <p:cNvPr id="5" name="四角形: 角を丸くする 4">
+            <a:extLst>
+              <a:ext uri="{FF2B5EF4-FFF2-40B4-BE49-F238E27FC236}">
+                <a16:creationId xmlns:a16="http://schemas.microsoft.com/office/drawing/2014/main" id="{42F95099-33D2-12A0-D0FE-7596EB214C0A}"/>
+              </a:ext>
+            </a:extLst>
+          </p:cNvPr>
+          <p:cNvSpPr/>
+          <p:nvPr/>
+        </p:nvSpPr>
+        <p:spPr>
+          <a:xfrm>
+            <a:off x="7796567" y="974853"/>
+            <a:ext cx="4081255" cy="1308801"/>
+          </a:xfrm>
+          <a:prstGeom prst="roundRect">
+            <a:avLst>
+              <a:gd name="adj" fmla="val 14775"/>
+            </a:avLst>
+          </a:prstGeom>
+        </p:spPr>
+        <p:style>
+          <a:lnRef idx="2">
+            <a:schemeClr val="accent2"/>
+          </a:lnRef>
+          <a:fillRef idx="1">
+            <a:schemeClr val="lt1"/>
+          </a:fillRef>
+          <a:effectRef idx="0">
+            <a:schemeClr val="accent2"/>
+          </a:effectRef>
+          <a:fontRef idx="minor">
+            <a:schemeClr val="dk1"/>
+          </a:fontRef>
+        </p:style>
+        <p:txBody>
+          <a:bodyPr rtlCol="0" anchor="ctr"/>
+          <a:lstStyle/>
+          <a:p>
+            <a:pPr algn="ctr"/>
+            <a:r>
+              <a:rPr kumimoji="1" lang="en-US" altLang="ja-JP" dirty="0"/>
+              <a:t>2022/8/22 </a:t>
+            </a:r>
+            <a:r>
+              <a:rPr kumimoji="1" lang="ja-JP" altLang="en-US" dirty="0"/>
+              <a:t>時点における</a:t>
+            </a:r>
+            <a:endParaRPr kumimoji="1" lang="en-US" altLang="ja-JP" dirty="0"/>
+          </a:p>
+          <a:p>
+            <a:pPr algn="ctr"/>
+            <a:r>
+              <a:rPr lang="ja-JP" altLang="en-US" dirty="0"/>
+              <a:t>過去 </a:t>
+            </a:r>
+            <a:r>
+              <a:rPr lang="en-US" altLang="ja-JP" dirty="0"/>
+              <a:t>30</a:t>
+            </a:r>
+            <a:r>
+              <a:rPr lang="ja-JP" altLang="en-US" dirty="0"/>
+              <a:t> 日間の仮想マシンの可用性</a:t>
+            </a:r>
+            <a:endParaRPr lang="en-US" altLang="ja-JP" dirty="0"/>
+          </a:p>
+          <a:p>
+            <a:pPr algn="ctr"/>
+            <a:r>
+              <a:rPr kumimoji="1" lang="ja-JP" altLang="en-US" dirty="0"/>
+              <a:t>（アジア地域のみ）</a:t>
+            </a:r>
+            <a:endParaRPr kumimoji="1" lang="en-US" altLang="ja-JP"/>
+          </a:p>
+          <a:p>
+            <a:pPr algn="ctr"/>
+            <a:endParaRPr kumimoji="1" lang="ja-JP" altLang="en-US" dirty="0"/>
+          </a:p>
+        </p:txBody>
+      </p:sp>
+    </p:spTree>
+    <p:extLst>
+      <p:ext uri="{BB962C8B-B14F-4D97-AF65-F5344CB8AC3E}">
+        <p14:creationId xmlns:p14="http://schemas.microsoft.com/office/powerpoint/2010/main" val="231997461"/>
+      </p:ext>
+    </p:extLst>
+  </p:cSld>
+  <p:clrMapOvr>
+    <a:masterClrMapping/>
+  </p:clrMapOvr>
+</p:sld>
+</file>
+
 <file path=ppt/theme/theme1.xml><?xml version="1.0" encoding="utf-8"?>
 <a:theme xmlns:a="http://schemas.openxmlformats.org/drawingml/2006/main" name="Office テーマ">
   <a:themeElements>

--- a/reliability-of-azure-based-services/images/figures.pptx
+++ b/reliability-of-azure-based-services/images/figures.pptx
@@ -8265,12 +8265,66 @@
           <a:chExt cx="0" cy="0"/>
         </a:xfrm>
       </p:grpSpPr>
+      <p:sp>
+        <p:nvSpPr>
+          <p:cNvPr id="9" name="正方形/長方形 8">
+            <a:extLst>
+              <a:ext uri="{FF2B5EF4-FFF2-40B4-BE49-F238E27FC236}">
+                <a16:creationId xmlns:a16="http://schemas.microsoft.com/office/drawing/2014/main" id="{CA0C6198-27DD-68BB-C4ED-8E7FBFBCDC99}"/>
+              </a:ext>
+            </a:extLst>
+          </p:cNvPr>
+          <p:cNvSpPr/>
+          <p:nvPr/>
+        </p:nvSpPr>
+        <p:spPr>
+          <a:xfrm>
+            <a:off x="2210813" y="-150055"/>
+            <a:ext cx="6982583" cy="6710289"/>
+          </a:xfrm>
+          <a:prstGeom prst="rect">
+            <a:avLst/>
+          </a:prstGeom>
+          <a:ln>
+            <a:noFill/>
+          </a:ln>
+          <a:effectLst>
+            <a:outerShdw blurRad="50800" dist="38100" dir="2700000" algn="tl" rotWithShape="0">
+              <a:prstClr val="black">
+                <a:alpha val="40000"/>
+              </a:prstClr>
+            </a:outerShdw>
+          </a:effectLst>
+        </p:spPr>
+        <p:style>
+          <a:lnRef idx="2">
+            <a:schemeClr val="dk1"/>
+          </a:lnRef>
+          <a:fillRef idx="1">
+            <a:schemeClr val="lt1"/>
+          </a:fillRef>
+          <a:effectRef idx="0">
+            <a:schemeClr val="dk1"/>
+          </a:effectRef>
+          <a:fontRef idx="minor">
+            <a:schemeClr val="dk1"/>
+          </a:fontRef>
+        </p:style>
+        <p:txBody>
+          <a:bodyPr rtlCol="0" anchor="ctr"/>
+          <a:lstStyle/>
+          <a:p>
+            <a:pPr algn="ctr"/>
+            <a:endParaRPr kumimoji="1" lang="ja-JP" altLang="en-US"/>
+          </a:p>
+        </p:txBody>
+      </p:sp>
       <p:pic>
         <p:nvPicPr>
-          <p:cNvPr id="3" name="図 2">
-            <a:extLst>
-              <a:ext uri="{FF2B5EF4-FFF2-40B4-BE49-F238E27FC236}">
-                <a16:creationId xmlns:a16="http://schemas.microsoft.com/office/drawing/2014/main" id="{67412B57-478B-2AE2-4B35-2C9E01BBC703}"/>
+          <p:cNvPr id="7" name="図 6">
+            <a:extLst>
+              <a:ext uri="{FF2B5EF4-FFF2-40B4-BE49-F238E27FC236}">
+                <a16:creationId xmlns:a16="http://schemas.microsoft.com/office/drawing/2014/main" id="{FCD92B60-84C8-0F7A-A3A1-043F3D7D0DFB}"/>
               </a:ext>
             </a:extLst>
           </p:cNvPr>
@@ -8287,106 +8341,14 @@
         </p:blipFill>
         <p:spPr>
           <a:xfrm>
-            <a:off x="769991" y="209497"/>
-            <a:ext cx="7130727" cy="6234545"/>
+            <a:off x="2210813" y="-150055"/>
+            <a:ext cx="6982583" cy="6858000"/>
           </a:xfrm>
           <a:prstGeom prst="rect">
             <a:avLst/>
           </a:prstGeom>
-          <a:ln>
-            <a:noFill/>
-          </a:ln>
-          <a:effectLst>
-            <a:outerShdw blurRad="292100" dist="139700" dir="2700000" algn="tl" rotWithShape="0">
-              <a:srgbClr val="333333">
-                <a:alpha val="65000"/>
-              </a:srgbClr>
-            </a:outerShdw>
-          </a:effectLst>
         </p:spPr>
       </p:pic>
-      <p:sp>
-        <p:nvSpPr>
-          <p:cNvPr id="5" name="四角形: 角を丸くする 4">
-            <a:extLst>
-              <a:ext uri="{FF2B5EF4-FFF2-40B4-BE49-F238E27FC236}">
-                <a16:creationId xmlns:a16="http://schemas.microsoft.com/office/drawing/2014/main" id="{42F95099-33D2-12A0-D0FE-7596EB214C0A}"/>
-              </a:ext>
-            </a:extLst>
-          </p:cNvPr>
-          <p:cNvSpPr/>
-          <p:nvPr/>
-        </p:nvSpPr>
-        <p:spPr>
-          <a:xfrm>
-            <a:off x="7796567" y="974853"/>
-            <a:ext cx="4081255" cy="1308801"/>
-          </a:xfrm>
-          <a:prstGeom prst="roundRect">
-            <a:avLst>
-              <a:gd name="adj" fmla="val 14775"/>
-            </a:avLst>
-          </a:prstGeom>
-        </p:spPr>
-        <p:style>
-          <a:lnRef idx="2">
-            <a:schemeClr val="accent2"/>
-          </a:lnRef>
-          <a:fillRef idx="1">
-            <a:schemeClr val="lt1"/>
-          </a:fillRef>
-          <a:effectRef idx="0">
-            <a:schemeClr val="accent2"/>
-          </a:effectRef>
-          <a:fontRef idx="minor">
-            <a:schemeClr val="dk1"/>
-          </a:fontRef>
-        </p:style>
-        <p:txBody>
-          <a:bodyPr rtlCol="0" anchor="ctr"/>
-          <a:lstStyle/>
-          <a:p>
-            <a:pPr algn="ctr"/>
-            <a:r>
-              <a:rPr kumimoji="1" lang="en-US" altLang="ja-JP" dirty="0"/>
-              <a:t>2022/8/22 </a:t>
-            </a:r>
-            <a:r>
-              <a:rPr kumimoji="1" lang="ja-JP" altLang="en-US" dirty="0"/>
-              <a:t>時点における</a:t>
-            </a:r>
-            <a:endParaRPr kumimoji="1" lang="en-US" altLang="ja-JP" dirty="0"/>
-          </a:p>
-          <a:p>
-            <a:pPr algn="ctr"/>
-            <a:r>
-              <a:rPr lang="ja-JP" altLang="en-US" dirty="0"/>
-              <a:t>過去 </a:t>
-            </a:r>
-            <a:r>
-              <a:rPr lang="en-US" altLang="ja-JP" dirty="0"/>
-              <a:t>30</a:t>
-            </a:r>
-            <a:r>
-              <a:rPr lang="ja-JP" altLang="en-US" dirty="0"/>
-              <a:t> 日間の仮想マシンの可用性</a:t>
-            </a:r>
-            <a:endParaRPr lang="en-US" altLang="ja-JP" dirty="0"/>
-          </a:p>
-          <a:p>
-            <a:pPr algn="ctr"/>
-            <a:r>
-              <a:rPr kumimoji="1" lang="ja-JP" altLang="en-US" dirty="0"/>
-              <a:t>（アジア地域のみ）</a:t>
-            </a:r>
-            <a:endParaRPr kumimoji="1" lang="en-US" altLang="ja-JP"/>
-          </a:p>
-          <a:p>
-            <a:pPr algn="ctr"/>
-            <a:endParaRPr kumimoji="1" lang="ja-JP" altLang="en-US" dirty="0"/>
-          </a:p>
-        </p:txBody>
-      </p:sp>
     </p:spTree>
     <p:extLst>
       <p:ext uri="{BB962C8B-B14F-4D97-AF65-F5344CB8AC3E}">
